--- a/Databasae management system/theory/course material/Lecture 4 Logical DesignConstraints.pptx
+++ b/Databasae management system/theory/course material/Lecture 4 Logical DesignConstraints.pptx
@@ -218,7 +218,7 @@
           <a:p>
             <a:fld id="{F4066800-1126-492D-9ABA-3AAAA985A454}" type="datetimeFigureOut">
               <a:rPr lang="en-US" smtClean="0"/>
-              <a:t>11/13/2024</a:t>
+              <a:t>12/1/2024</a:t>
             </a:fld>
             <a:endParaRPr lang="en-US"/>
           </a:p>
@@ -820,7 +820,7 @@
           <a:p>
             <a:fld id="{E9AEBA08-3077-4F05-9E64-E40AA7C941B3}" type="datetime1">
               <a:rPr lang="en-US" smtClean="0"/>
-              <a:t>11/13/2024</a:t>
+              <a:t>12/1/2024</a:t>
             </a:fld>
             <a:endParaRPr lang="en-US"/>
           </a:p>
@@ -1908,7 +1908,7 @@
           <a:p>
             <a:fld id="{C902B731-5771-4256-A8DE-05E6ED3EDBCB}" type="datetime1">
               <a:rPr lang="en-US" smtClean="0"/>
-              <a:t>11/13/2024</a:t>
+              <a:t>12/1/2024</a:t>
             </a:fld>
             <a:endParaRPr lang="en-US"/>
           </a:p>
@@ -2888,7 +2888,7 @@
           <a:p>
             <a:fld id="{E0F40BEF-90C7-4D7C-8048-98B51FC1B451}" type="datetime1">
               <a:rPr lang="en-US" smtClean="0"/>
-              <a:t>11/13/2024</a:t>
+              <a:t>12/1/2024</a:t>
             </a:fld>
             <a:endParaRPr lang="en-US"/>
           </a:p>
@@ -4022,7 +4022,7 @@
           <a:p>
             <a:fld id="{662B38DD-C1CA-4923-9F3A-1F9544C713F0}" type="datetime1">
               <a:rPr lang="en-US" smtClean="0"/>
-              <a:t>11/13/2024</a:t>
+              <a:t>12/1/2024</a:t>
             </a:fld>
             <a:endParaRPr lang="en-US"/>
           </a:p>
@@ -5055,7 +5055,7 @@
           <a:p>
             <a:fld id="{49CF29D8-E50D-41D3-915C-3137ACB64C32}" type="datetime1">
               <a:rPr lang="en-US" smtClean="0"/>
-              <a:t>11/13/2024</a:t>
+              <a:t>12/1/2024</a:t>
             </a:fld>
             <a:endParaRPr lang="en-US"/>
           </a:p>
@@ -5715,7 +5715,7 @@
           <a:p>
             <a:fld id="{34D95C72-14D7-4977-BC30-6240C2F0FD33}" type="datetime1">
               <a:rPr lang="en-US" smtClean="0"/>
-              <a:t>11/13/2024</a:t>
+              <a:t>12/1/2024</a:t>
             </a:fld>
             <a:endParaRPr lang="en-US"/>
           </a:p>
@@ -6576,7 +6576,7 @@
           <a:p>
             <a:fld id="{B2F2C3B1-D988-4052-B475-7FAB971E438F}" type="datetime1">
               <a:rPr lang="en-US" smtClean="0"/>
-              <a:t>11/13/2024</a:t>
+              <a:t>12/1/2024</a:t>
             </a:fld>
             <a:endParaRPr lang="en-US"/>
           </a:p>
@@ -6766,7 +6766,7 @@
           <a:p>
             <a:fld id="{073C2726-1EBB-4DA6-AEE1-E7ED6B5CF07D}" type="datetime1">
               <a:rPr lang="en-US" smtClean="0"/>
-              <a:t>11/13/2024</a:t>
+              <a:t>12/1/2024</a:t>
             </a:fld>
             <a:endParaRPr lang="en-US"/>
           </a:p>
@@ -7738,7 +7738,7 @@
           <a:p>
             <a:fld id="{624B6C54-5C30-4D7A-B8D4-62343018E8AD}" type="datetime1">
               <a:rPr lang="en-US" smtClean="0"/>
-              <a:t>11/13/2024</a:t>
+              <a:t>12/1/2024</a:t>
             </a:fld>
             <a:endParaRPr lang="en-US"/>
           </a:p>
@@ -7949,7 +7949,7 @@
           <a:p>
             <a:fld id="{9073A113-2147-4A20-9CCD-CC6A120CCF34}" type="datetime1">
               <a:rPr lang="en-US" smtClean="0"/>
-              <a:t>11/13/2024</a:t>
+              <a:t>12/1/2024</a:t>
             </a:fld>
             <a:endParaRPr lang="en-US"/>
           </a:p>
@@ -8983,7 +8983,7 @@
           <a:p>
             <a:fld id="{FA815294-E512-4C35-B017-E10B330B57C5}" type="datetime1">
               <a:rPr lang="en-US" smtClean="0"/>
-              <a:t>11/13/2024</a:t>
+              <a:t>12/1/2024</a:t>
             </a:fld>
             <a:endParaRPr lang="en-US"/>
           </a:p>
@@ -9255,7 +9255,7 @@
           <a:p>
             <a:fld id="{4AE9C36F-69B7-45C4-9A9F-386F4E9D3B0E}" type="datetime1">
               <a:rPr lang="en-US" smtClean="0"/>
-              <a:t>11/13/2024</a:t>
+              <a:t>12/1/2024</a:t>
             </a:fld>
             <a:endParaRPr lang="en-US"/>
           </a:p>
@@ -9665,7 +9665,7 @@
           <a:p>
             <a:fld id="{C45D654B-7707-44A6-98C3-2ACF0F616E41}" type="datetime1">
               <a:rPr lang="en-US" smtClean="0"/>
-              <a:t>11/13/2024</a:t>
+              <a:t>12/1/2024</a:t>
             </a:fld>
             <a:endParaRPr lang="en-US"/>
           </a:p>
@@ -9792,7 +9792,7 @@
           <a:p>
             <a:fld id="{B615936A-DDB2-4FA6-815E-B44D5F85E942}" type="datetime1">
               <a:rPr lang="en-US" smtClean="0"/>
-              <a:t>11/13/2024</a:t>
+              <a:t>12/1/2024</a:t>
             </a:fld>
             <a:endParaRPr lang="en-US"/>
           </a:p>
@@ -9887,7 +9887,7 @@
           <a:p>
             <a:fld id="{5E493361-393B-495C-ACD5-79BDAE02CD78}" type="datetime1">
               <a:rPr lang="en-US" smtClean="0"/>
-              <a:t>11/13/2024</a:t>
+              <a:t>12/1/2024</a:t>
             </a:fld>
             <a:endParaRPr lang="en-US"/>
           </a:p>
@@ -10968,7 +10968,7 @@
           <a:p>
             <a:fld id="{4F22D2E4-4F54-400B-9383-F9E96C015DB1}" type="datetime1">
               <a:rPr lang="en-US" smtClean="0"/>
-              <a:t>11/13/2024</a:t>
+              <a:t>12/1/2024</a:t>
             </a:fld>
             <a:endParaRPr lang="en-US"/>
           </a:p>
@@ -12076,7 +12076,7 @@
           <a:p>
             <a:fld id="{85A2C472-E481-4B44-8DB4-36C76A456ED3}" type="datetime1">
               <a:rPr lang="en-US" smtClean="0"/>
-              <a:t>11/13/2024</a:t>
+              <a:t>12/1/2024</a:t>
             </a:fld>
             <a:endParaRPr lang="en-US"/>
           </a:p>
@@ -13073,7 +13073,7 @@
           <a:p>
             <a:fld id="{EA06FE8C-3D14-4794-9777-EB582466837C}" type="datetime1">
               <a:rPr lang="en-US" smtClean="0"/>
-              <a:t>11/13/2024</a:t>
+              <a:t>12/1/2024</a:t>
             </a:fld>
             <a:endParaRPr lang="en-US"/>
           </a:p>
@@ -13704,7 +13704,7 @@
           <p:cNvPr id="5" name="Title 4">
             <a:extLst>
               <a:ext uri="{FF2B5EF4-FFF2-40B4-BE49-F238E27FC236}">
-                <a16:creationId xmlns="" xmlns:a16="http://schemas.microsoft.com/office/drawing/2014/main" id="{BA6356C9-D8E2-4783-A156-61C95BB77D4E}"/>
+                <a16:creationId xmlns:a16="http://schemas.microsoft.com/office/drawing/2014/main" xmlns="" id="{BA6356C9-D8E2-4783-A156-61C95BB77D4E}"/>
               </a:ext>
             </a:extLst>
           </p:cNvPr>
@@ -13732,7 +13732,7 @@
           <p:cNvPr id="6" name="Content Placeholder 5">
             <a:extLst>
               <a:ext uri="{FF2B5EF4-FFF2-40B4-BE49-F238E27FC236}">
-                <a16:creationId xmlns="" xmlns:a16="http://schemas.microsoft.com/office/drawing/2014/main" id="{CF213471-8A2A-4CCA-8DCE-782CA5129F08}"/>
+                <a16:creationId xmlns:a16="http://schemas.microsoft.com/office/drawing/2014/main" xmlns="" id="{CF213471-8A2A-4CCA-8DCE-782CA5129F08}"/>
               </a:ext>
             </a:extLst>
           </p:cNvPr>
@@ -13797,7 +13797,7 @@
           <p:cNvPr id="4" name="Slide Number Placeholder 3">
             <a:extLst>
               <a:ext uri="{FF2B5EF4-FFF2-40B4-BE49-F238E27FC236}">
-                <a16:creationId xmlns="" xmlns:a16="http://schemas.microsoft.com/office/drawing/2014/main" id="{3FD7E763-C7EE-422E-8DEF-336C5968E041}"/>
+                <a16:creationId xmlns:a16="http://schemas.microsoft.com/office/drawing/2014/main" xmlns="" id="{3FD7E763-C7EE-422E-8DEF-336C5968E041}"/>
               </a:ext>
             </a:extLst>
           </p:cNvPr>
@@ -13856,7 +13856,7 @@
           <p:cNvPr id="5" name="Title 4">
             <a:extLst>
               <a:ext uri="{FF2B5EF4-FFF2-40B4-BE49-F238E27FC236}">
-                <a16:creationId xmlns="" xmlns:a16="http://schemas.microsoft.com/office/drawing/2014/main" id="{BA6356C9-D8E2-4783-A156-61C95BB77D4E}"/>
+                <a16:creationId xmlns:a16="http://schemas.microsoft.com/office/drawing/2014/main" xmlns="" id="{BA6356C9-D8E2-4783-A156-61C95BB77D4E}"/>
               </a:ext>
             </a:extLst>
           </p:cNvPr>
@@ -13884,7 +13884,7 @@
           <p:cNvPr id="6" name="Content Placeholder 5">
             <a:extLst>
               <a:ext uri="{FF2B5EF4-FFF2-40B4-BE49-F238E27FC236}">
-                <a16:creationId xmlns="" xmlns:a16="http://schemas.microsoft.com/office/drawing/2014/main" id="{CF213471-8A2A-4CCA-8DCE-782CA5129F08}"/>
+                <a16:creationId xmlns:a16="http://schemas.microsoft.com/office/drawing/2014/main" xmlns="" id="{CF213471-8A2A-4CCA-8DCE-782CA5129F08}"/>
               </a:ext>
             </a:extLst>
           </p:cNvPr>
@@ -13897,13 +13897,13 @@
         </p:nvSpPr>
         <p:spPr>
           <a:xfrm>
-            <a:off x="1154954" y="2603499"/>
-            <a:ext cx="10035785" cy="3838489"/>
+            <a:off x="982489" y="2239861"/>
+            <a:ext cx="10035785" cy="4333177"/>
           </a:xfrm>
         </p:spPr>
         <p:txBody>
           <a:bodyPr>
-            <a:normAutofit lnSpcReduction="10000"/>
+            <a:normAutofit/>
           </a:bodyPr>
           <a:lstStyle/>
           <a:p>
@@ -14025,7 +14025,7 @@
           <p:cNvPr id="4" name="Slide Number Placeholder 3">
             <a:extLst>
               <a:ext uri="{FF2B5EF4-FFF2-40B4-BE49-F238E27FC236}">
-                <a16:creationId xmlns="" xmlns:a16="http://schemas.microsoft.com/office/drawing/2014/main" id="{3FD7E763-C7EE-422E-8DEF-336C5968E041}"/>
+                <a16:creationId xmlns:a16="http://schemas.microsoft.com/office/drawing/2014/main" xmlns="" id="{3FD7E763-C7EE-422E-8DEF-336C5968E041}"/>
               </a:ext>
             </a:extLst>
           </p:cNvPr>
@@ -14084,7 +14084,7 @@
           <p:cNvPr id="5" name="Title 4">
             <a:extLst>
               <a:ext uri="{FF2B5EF4-FFF2-40B4-BE49-F238E27FC236}">
-                <a16:creationId xmlns="" xmlns:a16="http://schemas.microsoft.com/office/drawing/2014/main" id="{BA6356C9-D8E2-4783-A156-61C95BB77D4E}"/>
+                <a16:creationId xmlns:a16="http://schemas.microsoft.com/office/drawing/2014/main" xmlns="" id="{BA6356C9-D8E2-4783-A156-61C95BB77D4E}"/>
               </a:ext>
             </a:extLst>
           </p:cNvPr>
@@ -14112,7 +14112,7 @@
           <p:cNvPr id="6" name="Content Placeholder 5">
             <a:extLst>
               <a:ext uri="{FF2B5EF4-FFF2-40B4-BE49-F238E27FC236}">
-                <a16:creationId xmlns="" xmlns:a16="http://schemas.microsoft.com/office/drawing/2014/main" id="{CF213471-8A2A-4CCA-8DCE-782CA5129F08}"/>
+                <a16:creationId xmlns:a16="http://schemas.microsoft.com/office/drawing/2014/main" xmlns="" id="{CF213471-8A2A-4CCA-8DCE-782CA5129F08}"/>
               </a:ext>
             </a:extLst>
           </p:cNvPr>
@@ -14158,7 +14158,7 @@
           <p:cNvPr id="4" name="Slide Number Placeholder 3">
             <a:extLst>
               <a:ext uri="{FF2B5EF4-FFF2-40B4-BE49-F238E27FC236}">
-                <a16:creationId xmlns="" xmlns:a16="http://schemas.microsoft.com/office/drawing/2014/main" id="{3FD7E763-C7EE-422E-8DEF-336C5968E041}"/>
+                <a16:creationId xmlns:a16="http://schemas.microsoft.com/office/drawing/2014/main" xmlns="" id="{3FD7E763-C7EE-422E-8DEF-336C5968E041}"/>
               </a:ext>
             </a:extLst>
           </p:cNvPr>
@@ -14217,7 +14217,7 @@
           <p:cNvPr id="5" name="Title 4">
             <a:extLst>
               <a:ext uri="{FF2B5EF4-FFF2-40B4-BE49-F238E27FC236}">
-                <a16:creationId xmlns="" xmlns:a16="http://schemas.microsoft.com/office/drawing/2014/main" id="{BA6356C9-D8E2-4783-A156-61C95BB77D4E}"/>
+                <a16:creationId xmlns:a16="http://schemas.microsoft.com/office/drawing/2014/main" xmlns="" id="{BA6356C9-D8E2-4783-A156-61C95BB77D4E}"/>
               </a:ext>
             </a:extLst>
           </p:cNvPr>
@@ -14245,7 +14245,7 @@
           <p:cNvPr id="6" name="Content Placeholder 5">
             <a:extLst>
               <a:ext uri="{FF2B5EF4-FFF2-40B4-BE49-F238E27FC236}">
-                <a16:creationId xmlns="" xmlns:a16="http://schemas.microsoft.com/office/drawing/2014/main" id="{CF213471-8A2A-4CCA-8DCE-782CA5129F08}"/>
+                <a16:creationId xmlns:a16="http://schemas.microsoft.com/office/drawing/2014/main" xmlns="" id="{CF213471-8A2A-4CCA-8DCE-782CA5129F08}"/>
               </a:ext>
             </a:extLst>
           </p:cNvPr>
@@ -14305,7 +14305,7 @@
           <p:cNvPr id="4" name="Slide Number Placeholder 3">
             <a:extLst>
               <a:ext uri="{FF2B5EF4-FFF2-40B4-BE49-F238E27FC236}">
-                <a16:creationId xmlns="" xmlns:a16="http://schemas.microsoft.com/office/drawing/2014/main" id="{3FD7E763-C7EE-422E-8DEF-336C5968E041}"/>
+                <a16:creationId xmlns:a16="http://schemas.microsoft.com/office/drawing/2014/main" xmlns="" id="{3FD7E763-C7EE-422E-8DEF-336C5968E041}"/>
               </a:ext>
             </a:extLst>
           </p:cNvPr>
@@ -14364,7 +14364,7 @@
           <p:cNvPr id="2" name="Title 1">
             <a:extLst>
               <a:ext uri="{FF2B5EF4-FFF2-40B4-BE49-F238E27FC236}">
-                <a16:creationId xmlns="" xmlns:a16="http://schemas.microsoft.com/office/drawing/2014/main" id="{43688451-BCFC-49DD-9A2A-9667B5840FB9}"/>
+                <a16:creationId xmlns:a16="http://schemas.microsoft.com/office/drawing/2014/main" xmlns="" id="{43688451-BCFC-49DD-9A2A-9667B5840FB9}"/>
               </a:ext>
             </a:extLst>
           </p:cNvPr>
@@ -14392,7 +14392,7 @@
           <p:cNvPr id="3" name="Content Placeholder 2">
             <a:extLst>
               <a:ext uri="{FF2B5EF4-FFF2-40B4-BE49-F238E27FC236}">
-                <a16:creationId xmlns="" xmlns:a16="http://schemas.microsoft.com/office/drawing/2014/main" id="{9521CB66-899C-42AE-BDCF-DC850CE098CB}"/>
+                <a16:creationId xmlns:a16="http://schemas.microsoft.com/office/drawing/2014/main" xmlns="" id="{9521CB66-899C-42AE-BDCF-DC850CE098CB}"/>
               </a:ext>
             </a:extLst>
           </p:cNvPr>
@@ -14544,7 +14544,7 @@
           <p:cNvPr id="4" name="Slide Number Placeholder 3">
             <a:extLst>
               <a:ext uri="{FF2B5EF4-FFF2-40B4-BE49-F238E27FC236}">
-                <a16:creationId xmlns="" xmlns:a16="http://schemas.microsoft.com/office/drawing/2014/main" id="{5373253C-2AD3-4A14-A34C-0A51FD986070}"/>
+                <a16:creationId xmlns:a16="http://schemas.microsoft.com/office/drawing/2014/main" xmlns="" id="{5373253C-2AD3-4A14-A34C-0A51FD986070}"/>
               </a:ext>
             </a:extLst>
           </p:cNvPr>
@@ -14603,7 +14603,7 @@
           <p:cNvPr id="2" name="Title 1">
             <a:extLst>
               <a:ext uri="{FF2B5EF4-FFF2-40B4-BE49-F238E27FC236}">
-                <a16:creationId xmlns="" xmlns:a16="http://schemas.microsoft.com/office/drawing/2014/main" id="{D3E0E065-B6B3-4D61-959B-E0F9CE757D4A}"/>
+                <a16:creationId xmlns:a16="http://schemas.microsoft.com/office/drawing/2014/main" xmlns="" id="{D3E0E065-B6B3-4D61-959B-E0F9CE757D4A}"/>
               </a:ext>
             </a:extLst>
           </p:cNvPr>
@@ -14634,7 +14634,7 @@
           <p:cNvPr id="3" name="Content Placeholder 2">
             <a:extLst>
               <a:ext uri="{FF2B5EF4-FFF2-40B4-BE49-F238E27FC236}">
-                <a16:creationId xmlns="" xmlns:a16="http://schemas.microsoft.com/office/drawing/2014/main" id="{A95336D2-6DA9-4A85-80FF-C05B450A79B5}"/>
+                <a16:creationId xmlns:a16="http://schemas.microsoft.com/office/drawing/2014/main" xmlns="" id="{A95336D2-6DA9-4A85-80FF-C05B450A79B5}"/>
               </a:ext>
             </a:extLst>
           </p:cNvPr>
@@ -14861,7 +14861,7 @@
           <p:cNvPr id="2" name="Title 1">
             <a:extLst>
               <a:ext uri="{FF2B5EF4-FFF2-40B4-BE49-F238E27FC236}">
-                <a16:creationId xmlns="" xmlns:a16="http://schemas.microsoft.com/office/drawing/2014/main" id="{D4343339-940E-4E7E-9DBC-BC8F41ACAEBC}"/>
+                <a16:creationId xmlns:a16="http://schemas.microsoft.com/office/drawing/2014/main" xmlns="" id="{D4343339-940E-4E7E-9DBC-BC8F41ACAEBC}"/>
               </a:ext>
             </a:extLst>
           </p:cNvPr>
@@ -14898,7 +14898,7 @@
           <p:cNvPr id="5" name="TextBox 4">
             <a:extLst>
               <a:ext uri="{FF2B5EF4-FFF2-40B4-BE49-F238E27FC236}">
-                <a16:creationId xmlns="" xmlns:a16="http://schemas.microsoft.com/office/drawing/2014/main" id="{2AA6A4F5-5669-4CA1-9FDE-37DE7A7F14A5}"/>
+                <a16:creationId xmlns:a16="http://schemas.microsoft.com/office/drawing/2014/main" xmlns="" id="{2AA6A4F5-5669-4CA1-9FDE-37DE7A7F14A5}"/>
               </a:ext>
             </a:extLst>
           </p:cNvPr>
@@ -15474,7 +15474,7 @@
           <p:cNvPr id="2" name="Title 1">
             <a:extLst>
               <a:ext uri="{FF2B5EF4-FFF2-40B4-BE49-F238E27FC236}">
-                <a16:creationId xmlns="" xmlns:a16="http://schemas.microsoft.com/office/drawing/2014/main" id="{D4343339-940E-4E7E-9DBC-BC8F41ACAEBC}"/>
+                <a16:creationId xmlns:a16="http://schemas.microsoft.com/office/drawing/2014/main" xmlns="" id="{D4343339-940E-4E7E-9DBC-BC8F41ACAEBC}"/>
               </a:ext>
             </a:extLst>
           </p:cNvPr>
@@ -15511,7 +15511,7 @@
           <p:cNvPr id="5" name="TextBox 4">
             <a:extLst>
               <a:ext uri="{FF2B5EF4-FFF2-40B4-BE49-F238E27FC236}">
-                <a16:creationId xmlns="" xmlns:a16="http://schemas.microsoft.com/office/drawing/2014/main" id="{2AA6A4F5-5669-4CA1-9FDE-37DE7A7F14A5}"/>
+                <a16:creationId xmlns:a16="http://schemas.microsoft.com/office/drawing/2014/main" xmlns="" id="{2AA6A4F5-5669-4CA1-9FDE-37DE7A7F14A5}"/>
               </a:ext>
             </a:extLst>
           </p:cNvPr>
@@ -15890,7 +15890,7 @@
           <p:cNvPr id="2" name="Title 1">
             <a:extLst>
               <a:ext uri="{FF2B5EF4-FFF2-40B4-BE49-F238E27FC236}">
-                <a16:creationId xmlns="" xmlns:a16="http://schemas.microsoft.com/office/drawing/2014/main" id="{D4343339-940E-4E7E-9DBC-BC8F41ACAEBC}"/>
+                <a16:creationId xmlns:a16="http://schemas.microsoft.com/office/drawing/2014/main" xmlns="" id="{D4343339-940E-4E7E-9DBC-BC8F41ACAEBC}"/>
               </a:ext>
             </a:extLst>
           </p:cNvPr>
@@ -15927,7 +15927,7 @@
           <p:cNvPr id="5" name="TextBox 4">
             <a:extLst>
               <a:ext uri="{FF2B5EF4-FFF2-40B4-BE49-F238E27FC236}">
-                <a16:creationId xmlns="" xmlns:a16="http://schemas.microsoft.com/office/drawing/2014/main" id="{2AA6A4F5-5669-4CA1-9FDE-37DE7A7F14A5}"/>
+                <a16:creationId xmlns:a16="http://schemas.microsoft.com/office/drawing/2014/main" xmlns="" id="{2AA6A4F5-5669-4CA1-9FDE-37DE7A7F14A5}"/>
               </a:ext>
             </a:extLst>
           </p:cNvPr>
@@ -16308,7 +16308,7 @@
           <p:cNvPr id="5" name="Title 4">
             <a:extLst>
               <a:ext uri="{FF2B5EF4-FFF2-40B4-BE49-F238E27FC236}">
-                <a16:creationId xmlns="" xmlns:a16="http://schemas.microsoft.com/office/drawing/2014/main" id="{E1E922A6-C3DE-43CA-BE01-70D110144AF3}"/>
+                <a16:creationId xmlns:a16="http://schemas.microsoft.com/office/drawing/2014/main" xmlns="" id="{E1E922A6-C3DE-43CA-BE01-70D110144AF3}"/>
               </a:ext>
             </a:extLst>
           </p:cNvPr>
@@ -16336,7 +16336,7 @@
           <p:cNvPr id="6" name="Content Placeholder 5">
             <a:extLst>
               <a:ext uri="{FF2B5EF4-FFF2-40B4-BE49-F238E27FC236}">
-                <a16:creationId xmlns="" xmlns:a16="http://schemas.microsoft.com/office/drawing/2014/main" id="{553D4089-AFB4-49B6-A1C5-114050CFF3C7}"/>
+                <a16:creationId xmlns:a16="http://schemas.microsoft.com/office/drawing/2014/main" xmlns="" id="{553D4089-AFB4-49B6-A1C5-114050CFF3C7}"/>
               </a:ext>
             </a:extLst>
           </p:cNvPr>
@@ -16388,7 +16388,7 @@
           <p:cNvPr id="4" name="Slide Number Placeholder 3">
             <a:extLst>
               <a:ext uri="{FF2B5EF4-FFF2-40B4-BE49-F238E27FC236}">
-                <a16:creationId xmlns="" xmlns:a16="http://schemas.microsoft.com/office/drawing/2014/main" id="{CAB16602-E785-4BF2-A075-4422567B03E4}"/>
+                <a16:creationId xmlns:a16="http://schemas.microsoft.com/office/drawing/2014/main" xmlns="" id="{CAB16602-E785-4BF2-A075-4422567B03E4}"/>
               </a:ext>
             </a:extLst>
           </p:cNvPr>
@@ -16447,7 +16447,7 @@
           <p:cNvPr id="2" name="Title 1">
             <a:extLst>
               <a:ext uri="{FF2B5EF4-FFF2-40B4-BE49-F238E27FC236}">
-                <a16:creationId xmlns="" xmlns:a16="http://schemas.microsoft.com/office/drawing/2014/main" id="{F4B44AE3-1611-4AD5-BD35-BC11DA6D069B}"/>
+                <a16:creationId xmlns:a16="http://schemas.microsoft.com/office/drawing/2014/main" xmlns="" id="{F4B44AE3-1611-4AD5-BD35-BC11DA6D069B}"/>
               </a:ext>
             </a:extLst>
           </p:cNvPr>
@@ -16487,7 +16487,7 @@
           <p:cNvPr id="3" name="Text Placeholder 2">
             <a:extLst>
               <a:ext uri="{FF2B5EF4-FFF2-40B4-BE49-F238E27FC236}">
-                <a16:creationId xmlns="" xmlns:a16="http://schemas.microsoft.com/office/drawing/2014/main" id="{3F2285CD-F11A-4971-B04D-9DD237E2ED3C}"/>
+                <a16:creationId xmlns:a16="http://schemas.microsoft.com/office/drawing/2014/main" xmlns="" id="{3F2285CD-F11A-4971-B04D-9DD237E2ED3C}"/>
               </a:ext>
             </a:extLst>
           </p:cNvPr>
@@ -16518,7 +16518,7 @@
           <p:cNvPr id="4" name="Content Placeholder 3">
             <a:extLst>
               <a:ext uri="{FF2B5EF4-FFF2-40B4-BE49-F238E27FC236}">
-                <a16:creationId xmlns="" xmlns:a16="http://schemas.microsoft.com/office/drawing/2014/main" id="{70E987CF-BFA9-4317-9A57-AE961246EAE4}"/>
+                <a16:creationId xmlns:a16="http://schemas.microsoft.com/office/drawing/2014/main" xmlns="" id="{70E987CF-BFA9-4317-9A57-AE961246EAE4}"/>
               </a:ext>
             </a:extLst>
           </p:cNvPr>
@@ -16550,7 +16550,7 @@
           <p:cNvPr id="5" name="Text Placeholder 4">
             <a:extLst>
               <a:ext uri="{FF2B5EF4-FFF2-40B4-BE49-F238E27FC236}">
-                <a16:creationId xmlns="" xmlns:a16="http://schemas.microsoft.com/office/drawing/2014/main" id="{C0B8FCC1-814C-49FD-8F0E-5126342BDCB1}"/>
+                <a16:creationId xmlns:a16="http://schemas.microsoft.com/office/drawing/2014/main" xmlns="" id="{C0B8FCC1-814C-49FD-8F0E-5126342BDCB1}"/>
               </a:ext>
             </a:extLst>
           </p:cNvPr>
@@ -16580,7 +16580,7 @@
           <p:cNvPr id="6" name="Content Placeholder 5">
             <a:extLst>
               <a:ext uri="{FF2B5EF4-FFF2-40B4-BE49-F238E27FC236}">
-                <a16:creationId xmlns="" xmlns:a16="http://schemas.microsoft.com/office/drawing/2014/main" id="{9B75486D-2E88-4C0C-84C9-649A9222735F}"/>
+                <a16:creationId xmlns:a16="http://schemas.microsoft.com/office/drawing/2014/main" xmlns="" id="{9B75486D-2E88-4C0C-84C9-649A9222735F}"/>
               </a:ext>
             </a:extLst>
           </p:cNvPr>
@@ -16625,7 +16625,7 @@
           <p:cNvPr id="7" name="TextBox 6">
             <a:extLst>
               <a:ext uri="{FF2B5EF4-FFF2-40B4-BE49-F238E27FC236}">
-                <a16:creationId xmlns="" xmlns:a16="http://schemas.microsoft.com/office/drawing/2014/main" id="{D62C74F2-4BBC-4D2B-B14B-AA2E3FAFC262}"/>
+                <a16:creationId xmlns:a16="http://schemas.microsoft.com/office/drawing/2014/main" xmlns="" id="{D62C74F2-4BBC-4D2B-B14B-AA2E3FAFC262}"/>
               </a:ext>
             </a:extLst>
           </p:cNvPr>
@@ -16634,7 +16634,7 @@
         </p:nvSpPr>
         <p:spPr>
           <a:xfrm>
-            <a:off x="162488" y="3485098"/>
+            <a:off x="162488" y="3560914"/>
             <a:ext cx="2743200" cy="461665"/>
           </a:xfrm>
           <a:prstGeom prst="rect">
@@ -16667,7 +16667,7 @@
           <p:cNvPr id="8" name="TextBox 7">
             <a:extLst>
               <a:ext uri="{FF2B5EF4-FFF2-40B4-BE49-F238E27FC236}">
-                <a16:creationId xmlns="" xmlns:a16="http://schemas.microsoft.com/office/drawing/2014/main" id="{A564A4D7-837A-40B6-A1F6-EA526CCA61C0}"/>
+                <a16:creationId xmlns:a16="http://schemas.microsoft.com/office/drawing/2014/main" xmlns="" id="{A564A4D7-837A-40B6-A1F6-EA526CCA61C0}"/>
               </a:ext>
             </a:extLst>
           </p:cNvPr>
@@ -16707,7 +16707,7 @@
           <p:cNvPr id="9" name="Table 9">
             <a:extLst>
               <a:ext uri="{FF2B5EF4-FFF2-40B4-BE49-F238E27FC236}">
-                <a16:creationId xmlns="" xmlns:a16="http://schemas.microsoft.com/office/drawing/2014/main" id="{BCC76FB6-9B48-4E2C-9F5C-F671B7298AC6}"/>
+                <a16:creationId xmlns:a16="http://schemas.microsoft.com/office/drawing/2014/main" xmlns="" id="{BCC76FB6-9B48-4E2C-9F5C-F671B7298AC6}"/>
               </a:ext>
             </a:extLst>
           </p:cNvPr>
@@ -16736,21 +16736,21 @@
                 <a:gridCol w="949239">
                   <a:extLst>
                     <a:ext uri="{9D8B030D-6E8A-4147-A177-3AD203B41FA5}">
-                      <a16:colId xmlns="" xmlns:a16="http://schemas.microsoft.com/office/drawing/2014/main" val="2247279278"/>
+                      <a16:colId xmlns:a16="http://schemas.microsoft.com/office/drawing/2014/main" xmlns="" val="2247279278"/>
                     </a:ext>
                   </a:extLst>
                 </a:gridCol>
                 <a:gridCol w="949239">
                   <a:extLst>
                     <a:ext uri="{9D8B030D-6E8A-4147-A177-3AD203B41FA5}">
-                      <a16:colId xmlns="" xmlns:a16="http://schemas.microsoft.com/office/drawing/2014/main" val="691657574"/>
+                      <a16:colId xmlns:a16="http://schemas.microsoft.com/office/drawing/2014/main" xmlns="" val="691657574"/>
                     </a:ext>
                   </a:extLst>
                 </a:gridCol>
                 <a:gridCol w="949239">
                   <a:extLst>
                     <a:ext uri="{9D8B030D-6E8A-4147-A177-3AD203B41FA5}">
-                      <a16:colId xmlns="" xmlns:a16="http://schemas.microsoft.com/office/drawing/2014/main" val="2517726121"/>
+                      <a16:colId xmlns:a16="http://schemas.microsoft.com/office/drawing/2014/main" xmlns="" val="2517726121"/>
                     </a:ext>
                   </a:extLst>
                 </a:gridCol>
@@ -16797,7 +16797,7 @@
                 </a:tc>
                 <a:extLst>
                   <a:ext uri="{0D108BD9-81ED-4DB2-BD59-A6C34878D82A}">
-                    <a16:rowId xmlns="" xmlns:a16="http://schemas.microsoft.com/office/drawing/2014/main" val="370146383"/>
+                    <a16:rowId xmlns:a16="http://schemas.microsoft.com/office/drawing/2014/main" xmlns="" val="370146383"/>
                   </a:ext>
                 </a:extLst>
               </a:tr>
@@ -16810,7 +16810,7 @@
           <p:cNvPr id="10" name="Table 9">
             <a:extLst>
               <a:ext uri="{FF2B5EF4-FFF2-40B4-BE49-F238E27FC236}">
-                <a16:creationId xmlns="" xmlns:a16="http://schemas.microsoft.com/office/drawing/2014/main" id="{652D86E9-5F7F-4CEB-AA0D-97380CD458AA}"/>
+                <a16:creationId xmlns:a16="http://schemas.microsoft.com/office/drawing/2014/main" xmlns="" id="{652D86E9-5F7F-4CEB-AA0D-97380CD458AA}"/>
               </a:ext>
             </a:extLst>
           </p:cNvPr>
@@ -16839,21 +16839,21 @@
                 <a:gridCol w="1179273">
                   <a:extLst>
                     <a:ext uri="{9D8B030D-6E8A-4147-A177-3AD203B41FA5}">
-                      <a16:colId xmlns="" xmlns:a16="http://schemas.microsoft.com/office/drawing/2014/main" val="2247279278"/>
+                      <a16:colId xmlns:a16="http://schemas.microsoft.com/office/drawing/2014/main" xmlns="" val="2247279278"/>
                     </a:ext>
                   </a:extLst>
                 </a:gridCol>
                 <a:gridCol w="719205">
                   <a:extLst>
                     <a:ext uri="{9D8B030D-6E8A-4147-A177-3AD203B41FA5}">
-                      <a16:colId xmlns="" xmlns:a16="http://schemas.microsoft.com/office/drawing/2014/main" val="691657574"/>
+                      <a16:colId xmlns:a16="http://schemas.microsoft.com/office/drawing/2014/main" xmlns="" val="691657574"/>
                     </a:ext>
                   </a:extLst>
                 </a:gridCol>
                 <a:gridCol w="949239">
                   <a:extLst>
                     <a:ext uri="{9D8B030D-6E8A-4147-A177-3AD203B41FA5}">
-                      <a16:colId xmlns="" xmlns:a16="http://schemas.microsoft.com/office/drawing/2014/main" val="2517726121"/>
+                      <a16:colId xmlns:a16="http://schemas.microsoft.com/office/drawing/2014/main" xmlns="" val="2517726121"/>
                     </a:ext>
                   </a:extLst>
                 </a:gridCol>
@@ -16903,7 +16903,7 @@
                 </a:tc>
                 <a:extLst>
                   <a:ext uri="{0D108BD9-81ED-4DB2-BD59-A6C34878D82A}">
-                    <a16:rowId xmlns="" xmlns:a16="http://schemas.microsoft.com/office/drawing/2014/main" val="370146383"/>
+                    <a16:rowId xmlns:a16="http://schemas.microsoft.com/office/drawing/2014/main" xmlns="" val="370146383"/>
                   </a:ext>
                 </a:extLst>
               </a:tr>
@@ -16916,7 +16916,7 @@
           <p:cNvPr id="11" name="TextBox 10">
             <a:extLst>
               <a:ext uri="{FF2B5EF4-FFF2-40B4-BE49-F238E27FC236}">
-                <a16:creationId xmlns="" xmlns:a16="http://schemas.microsoft.com/office/drawing/2014/main" id="{A910952C-3F36-4C98-BD63-9F36719DA940}"/>
+                <a16:creationId xmlns:a16="http://schemas.microsoft.com/office/drawing/2014/main" xmlns="" id="{A910952C-3F36-4C98-BD63-9F36719DA940}"/>
               </a:ext>
             </a:extLst>
           </p:cNvPr>
@@ -16986,7 +16986,7 @@
           <p:cNvPr id="2" name="Title 1">
             <a:extLst>
               <a:ext uri="{FF2B5EF4-FFF2-40B4-BE49-F238E27FC236}">
-                <a16:creationId xmlns="" xmlns:a16="http://schemas.microsoft.com/office/drawing/2014/main" id="{320D381B-3D99-46C8-9707-78C22C2D2ED1}"/>
+                <a16:creationId xmlns:a16="http://schemas.microsoft.com/office/drawing/2014/main" xmlns="" id="{320D381B-3D99-46C8-9707-78C22C2D2ED1}"/>
               </a:ext>
             </a:extLst>
           </p:cNvPr>
@@ -17028,7 +17028,7 @@
           <p:cNvPr id="3" name="Content Placeholder 2">
             <a:extLst>
               <a:ext uri="{FF2B5EF4-FFF2-40B4-BE49-F238E27FC236}">
-                <a16:creationId xmlns="" xmlns:a16="http://schemas.microsoft.com/office/drawing/2014/main" id="{019A17D5-0F05-4B8E-B702-94AB4092493B}"/>
+                <a16:creationId xmlns:a16="http://schemas.microsoft.com/office/drawing/2014/main" xmlns="" id="{019A17D5-0F05-4B8E-B702-94AB4092493B}"/>
               </a:ext>
             </a:extLst>
           </p:cNvPr>
@@ -17239,16 +17239,7 @@
                 </a:solidFill>
                 <a:cs typeface="Calibri"/>
               </a:rPr>
-              <a:t> and the change is not represented here then we would get foreign key violation and in order to combat that problem we use the on delete/on update so that the foreign key is dealt with automatically whe</a:t>
-            </a:r>
-            <a:r>
-              <a:rPr lang="en-US" u="sng" dirty="0" smtClean="0">
-                <a:solidFill>
-                  <a:srgbClr val="FF0000"/>
-                </a:solidFill>
-                <a:cs typeface="Calibri"/>
-              </a:rPr>
-              <a:t>n something goes down with the primary key that it is referencing </a:t>
+              <a:t> and the change is not represented here then we would get foreign key violation and in order to combat that problem we use the on delete/on update so that the foreign key is dealt with automatically when something goes down with the primary key that it is referencing </a:t>
             </a:r>
             <a:r>
               <a:rPr lang="en-US" u="sng" dirty="0" err="1" smtClean="0">
@@ -17322,7 +17313,7 @@
           <p:cNvPr id="2" name="Title 1">
             <a:extLst>
               <a:ext uri="{FF2B5EF4-FFF2-40B4-BE49-F238E27FC236}">
-                <a16:creationId xmlns="" xmlns:a16="http://schemas.microsoft.com/office/drawing/2014/main" id="{D0B14FC2-88BB-4EB7-9EEF-24E999FF4C50}"/>
+                <a16:creationId xmlns:a16="http://schemas.microsoft.com/office/drawing/2014/main" xmlns="" id="{D0B14FC2-88BB-4EB7-9EEF-24E999FF4C50}"/>
               </a:ext>
             </a:extLst>
           </p:cNvPr>
@@ -17364,7 +17355,7 @@
           <p:cNvPr id="11" name="Content Placeholder 10">
             <a:extLst>
               <a:ext uri="{FF2B5EF4-FFF2-40B4-BE49-F238E27FC236}">
-                <a16:creationId xmlns="" xmlns:a16="http://schemas.microsoft.com/office/drawing/2014/main" id="{9C4A65F0-0E63-4F3A-97D3-743B7CF05797}"/>
+                <a16:creationId xmlns:a16="http://schemas.microsoft.com/office/drawing/2014/main" xmlns="" id="{9C4A65F0-0E63-4F3A-97D3-743B7CF05797}"/>
               </a:ext>
             </a:extLst>
           </p:cNvPr>
@@ -17417,7 +17408,7 @@
           <p:cNvPr id="7" name="Content Placeholder 6">
             <a:extLst>
               <a:ext uri="{FF2B5EF4-FFF2-40B4-BE49-F238E27FC236}">
-                <a16:creationId xmlns="" xmlns:a16="http://schemas.microsoft.com/office/drawing/2014/main" id="{FAD1969F-5C80-4344-A6D2-186D3F1813E6}"/>
+                <a16:creationId xmlns:a16="http://schemas.microsoft.com/office/drawing/2014/main" xmlns="" id="{FAD1969F-5C80-4344-A6D2-186D3F1813E6}"/>
               </a:ext>
             </a:extLst>
           </p:cNvPr>
@@ -17477,7 +17468,7 @@
           <p:cNvPr id="2" name="Title 1">
             <a:extLst>
               <a:ext uri="{FF2B5EF4-FFF2-40B4-BE49-F238E27FC236}">
-                <a16:creationId xmlns="" xmlns:a16="http://schemas.microsoft.com/office/drawing/2014/main" id="{70073053-4386-4FA4-8130-79C2DC2853F4}"/>
+                <a16:creationId xmlns:a16="http://schemas.microsoft.com/office/drawing/2014/main" xmlns="" id="{70073053-4386-4FA4-8130-79C2DC2853F4}"/>
               </a:ext>
             </a:extLst>
           </p:cNvPr>
@@ -17508,7 +17499,7 @@
           <p:cNvPr id="20484" name="Slide Number Placeholder 3">
             <a:extLst>
               <a:ext uri="{FF2B5EF4-FFF2-40B4-BE49-F238E27FC236}">
-                <a16:creationId xmlns="" xmlns:a16="http://schemas.microsoft.com/office/drawing/2014/main" id="{DAC4C174-4FF6-4AEB-B0FA-675C6A0D2733}"/>
+                <a16:creationId xmlns:a16="http://schemas.microsoft.com/office/drawing/2014/main" xmlns="" id="{DAC4C174-4FF6-4AEB-B0FA-675C6A0D2733}"/>
               </a:ext>
             </a:extLst>
           </p:cNvPr>
@@ -17676,7 +17667,7 @@
           <p:cNvPr id="20485" name="Picture 4">
             <a:extLst>
               <a:ext uri="{FF2B5EF4-FFF2-40B4-BE49-F238E27FC236}">
-                <a16:creationId xmlns="" xmlns:a16="http://schemas.microsoft.com/office/drawing/2014/main" id="{98647D35-EA4B-4E5A-A5AD-5778F61D6DFC}"/>
+                <a16:creationId xmlns:a16="http://schemas.microsoft.com/office/drawing/2014/main" xmlns="" id="{98647D35-EA4B-4E5A-A5AD-5778F61D6DFC}"/>
               </a:ext>
             </a:extLst>
           </p:cNvPr>
@@ -17761,7 +17752,7 @@
           <p:cNvPr id="2" name="Title 1">
             <a:extLst>
               <a:ext uri="{FF2B5EF4-FFF2-40B4-BE49-F238E27FC236}">
-                <a16:creationId xmlns="" xmlns:a16="http://schemas.microsoft.com/office/drawing/2014/main" id="{B73B53B3-D46F-46A2-B514-A77FEED253C0}"/>
+                <a16:creationId xmlns:a16="http://schemas.microsoft.com/office/drawing/2014/main" xmlns="" id="{B73B53B3-D46F-46A2-B514-A77FEED253C0}"/>
               </a:ext>
             </a:extLst>
           </p:cNvPr>
@@ -17797,7 +17788,7 @@
           <p:cNvPr id="24579" name="Content Placeholder 4">
             <a:extLst>
               <a:ext uri="{FF2B5EF4-FFF2-40B4-BE49-F238E27FC236}">
-                <a16:creationId xmlns="" xmlns:a16="http://schemas.microsoft.com/office/drawing/2014/main" id="{0ED5EDAC-4621-42B2-ADFA-FEC29E13FD58}"/>
+                <a16:creationId xmlns:a16="http://schemas.microsoft.com/office/drawing/2014/main" xmlns="" id="{0ED5EDAC-4621-42B2-ADFA-FEC29E13FD58}"/>
               </a:ext>
             </a:extLst>
           </p:cNvPr>
@@ -17833,7 +17824,7 @@
           <p:cNvPr id="24580" name="Slide Number Placeholder 3">
             <a:extLst>
               <a:ext uri="{FF2B5EF4-FFF2-40B4-BE49-F238E27FC236}">
-                <a16:creationId xmlns="" xmlns:a16="http://schemas.microsoft.com/office/drawing/2014/main" id="{A063F234-4A44-4C7A-B113-5255DF6C8DFD}"/>
+                <a16:creationId xmlns:a16="http://schemas.microsoft.com/office/drawing/2014/main" xmlns="" id="{A063F234-4A44-4C7A-B113-5255DF6C8DFD}"/>
               </a:ext>
             </a:extLst>
           </p:cNvPr>
@@ -18031,7 +18022,7 @@
           <p:cNvPr id="2" name="Title 1">
             <a:extLst>
               <a:ext uri="{FF2B5EF4-FFF2-40B4-BE49-F238E27FC236}">
-                <a16:creationId xmlns="" xmlns:a16="http://schemas.microsoft.com/office/drawing/2014/main" id="{8F1BC25C-BFEC-47E9-AC9A-C460FC1541D3}"/>
+                <a16:creationId xmlns:a16="http://schemas.microsoft.com/office/drawing/2014/main" xmlns="" id="{8F1BC25C-BFEC-47E9-AC9A-C460FC1541D3}"/>
               </a:ext>
             </a:extLst>
           </p:cNvPr>
@@ -18063,7 +18054,7 @@
           <p:cNvPr id="3" name="Content Placeholder 2">
             <a:extLst>
               <a:ext uri="{FF2B5EF4-FFF2-40B4-BE49-F238E27FC236}">
-                <a16:creationId xmlns="" xmlns:a16="http://schemas.microsoft.com/office/drawing/2014/main" id="{3FA4FE1B-E6CF-48FD-9F09-17C9BC2EC29B}"/>
+                <a16:creationId xmlns:a16="http://schemas.microsoft.com/office/drawing/2014/main" xmlns="" id="{3FA4FE1B-E6CF-48FD-9F09-17C9BC2EC29B}"/>
               </a:ext>
             </a:extLst>
           </p:cNvPr>
@@ -18136,7 +18127,7 @@
           <p:cNvPr id="4" name="Table 4">
             <a:extLst>
               <a:ext uri="{FF2B5EF4-FFF2-40B4-BE49-F238E27FC236}">
-                <a16:creationId xmlns="" xmlns:a16="http://schemas.microsoft.com/office/drawing/2014/main" id="{3F3BD767-2F49-4FDF-86A3-DFD4F6953002}"/>
+                <a16:creationId xmlns:a16="http://schemas.microsoft.com/office/drawing/2014/main" xmlns="" id="{3F3BD767-2F49-4FDF-86A3-DFD4F6953002}"/>
               </a:ext>
             </a:extLst>
           </p:cNvPr>
@@ -18165,14 +18156,14 @@
                 <a:gridCol w="2591097">
                   <a:extLst>
                     <a:ext uri="{9D8B030D-6E8A-4147-A177-3AD203B41FA5}">
-                      <a16:colId xmlns="" xmlns:a16="http://schemas.microsoft.com/office/drawing/2014/main" val="1291223084"/>
+                      <a16:colId xmlns:a16="http://schemas.microsoft.com/office/drawing/2014/main" xmlns="" val="1291223084"/>
                     </a:ext>
                   </a:extLst>
                 </a:gridCol>
                 <a:gridCol w="2591097">
                   <a:extLst>
                     <a:ext uri="{9D8B030D-6E8A-4147-A177-3AD203B41FA5}">
-                      <a16:colId xmlns="" xmlns:a16="http://schemas.microsoft.com/office/drawing/2014/main" val="2551685496"/>
+                      <a16:colId xmlns:a16="http://schemas.microsoft.com/office/drawing/2014/main" xmlns="" val="2551685496"/>
                     </a:ext>
                   </a:extLst>
                 </a:gridCol>
@@ -18206,7 +18197,7 @@
                 </a:tc>
                 <a:extLst>
                   <a:ext uri="{0D108BD9-81ED-4DB2-BD59-A6C34878D82A}">
-                    <a16:rowId xmlns="" xmlns:a16="http://schemas.microsoft.com/office/drawing/2014/main" val="3009316933"/>
+                    <a16:rowId xmlns:a16="http://schemas.microsoft.com/office/drawing/2014/main" xmlns="" val="3009316933"/>
                   </a:ext>
                 </a:extLst>
               </a:tr>
@@ -18241,7 +18232,7 @@
                 </a:tc>
                 <a:extLst>
                   <a:ext uri="{0D108BD9-81ED-4DB2-BD59-A6C34878D82A}">
-                    <a16:rowId xmlns="" xmlns:a16="http://schemas.microsoft.com/office/drawing/2014/main" val="3722244864"/>
+                    <a16:rowId xmlns:a16="http://schemas.microsoft.com/office/drawing/2014/main" xmlns="" val="3722244864"/>
                   </a:ext>
                 </a:extLst>
               </a:tr>
@@ -18302,7 +18293,7 @@
                 </a:tc>
                 <a:extLst>
                   <a:ext uri="{0D108BD9-81ED-4DB2-BD59-A6C34878D82A}">
-                    <a16:rowId xmlns="" xmlns:a16="http://schemas.microsoft.com/office/drawing/2014/main" val="2458563004"/>
+                    <a16:rowId xmlns:a16="http://schemas.microsoft.com/office/drawing/2014/main" xmlns="" val="2458563004"/>
                   </a:ext>
                 </a:extLst>
               </a:tr>
@@ -18340,7 +18331,7 @@
                 </a:tc>
                 <a:extLst>
                   <a:ext uri="{0D108BD9-81ED-4DB2-BD59-A6C34878D82A}">
-                    <a16:rowId xmlns="" xmlns:a16="http://schemas.microsoft.com/office/drawing/2014/main" val="2132651457"/>
+                    <a16:rowId xmlns:a16="http://schemas.microsoft.com/office/drawing/2014/main" xmlns="" val="2132651457"/>
                   </a:ext>
                 </a:extLst>
               </a:tr>
@@ -18373,7 +18364,7 @@
                 </a:tc>
                 <a:extLst>
                   <a:ext uri="{0D108BD9-81ED-4DB2-BD59-A6C34878D82A}">
-                    <a16:rowId xmlns="" xmlns:a16="http://schemas.microsoft.com/office/drawing/2014/main" val="2805834452"/>
+                    <a16:rowId xmlns:a16="http://schemas.microsoft.com/office/drawing/2014/main" xmlns="" val="2805834452"/>
                   </a:ext>
                 </a:extLst>
               </a:tr>
@@ -18406,7 +18397,7 @@
                 </a:tc>
                 <a:extLst>
                   <a:ext uri="{0D108BD9-81ED-4DB2-BD59-A6C34878D82A}">
-                    <a16:rowId xmlns="" xmlns:a16="http://schemas.microsoft.com/office/drawing/2014/main" val="3570016769"/>
+                    <a16:rowId xmlns:a16="http://schemas.microsoft.com/office/drawing/2014/main" xmlns="" val="3570016769"/>
                   </a:ext>
                 </a:extLst>
               </a:tr>
@@ -18439,7 +18430,7 @@
                 </a:tc>
                 <a:extLst>
                   <a:ext uri="{0D108BD9-81ED-4DB2-BD59-A6C34878D82A}">
-                    <a16:rowId xmlns="" xmlns:a16="http://schemas.microsoft.com/office/drawing/2014/main" val="588756227"/>
+                    <a16:rowId xmlns:a16="http://schemas.microsoft.com/office/drawing/2014/main" xmlns="" val="588756227"/>
                   </a:ext>
                 </a:extLst>
               </a:tr>
@@ -18512,7 +18503,7 @@
           <p:cNvPr id="2" name="Title 1">
             <a:extLst>
               <a:ext uri="{FF2B5EF4-FFF2-40B4-BE49-F238E27FC236}">
-                <a16:creationId xmlns="" xmlns:a16="http://schemas.microsoft.com/office/drawing/2014/main" id="{D3E0E065-B6B3-4D61-959B-E0F9CE757D4A}"/>
+                <a16:creationId xmlns:a16="http://schemas.microsoft.com/office/drawing/2014/main" xmlns="" id="{D3E0E065-B6B3-4D61-959B-E0F9CE757D4A}"/>
               </a:ext>
             </a:extLst>
           </p:cNvPr>
@@ -18544,7 +18535,7 @@
           <p:cNvPr id="3" name="Content Placeholder 2">
             <a:extLst>
               <a:ext uri="{FF2B5EF4-FFF2-40B4-BE49-F238E27FC236}">
-                <a16:creationId xmlns="" xmlns:a16="http://schemas.microsoft.com/office/drawing/2014/main" id="{A95336D2-6DA9-4A85-80FF-C05B450A79B5}"/>
+                <a16:creationId xmlns:a16="http://schemas.microsoft.com/office/drawing/2014/main" xmlns="" id="{A95336D2-6DA9-4A85-80FF-C05B450A79B5}"/>
               </a:ext>
             </a:extLst>
           </p:cNvPr>
@@ -18774,7 +18765,7 @@
           <p:cNvPr id="2" name="Title 1">
             <a:extLst>
               <a:ext uri="{FF2B5EF4-FFF2-40B4-BE49-F238E27FC236}">
-                <a16:creationId xmlns="" xmlns:a16="http://schemas.microsoft.com/office/drawing/2014/main" id="{CBCF28F2-2227-4831-B10D-0E48F7BF3A50}"/>
+                <a16:creationId xmlns:a16="http://schemas.microsoft.com/office/drawing/2014/main" xmlns="" id="{CBCF28F2-2227-4831-B10D-0E48F7BF3A50}"/>
               </a:ext>
             </a:extLst>
           </p:cNvPr>
@@ -18817,7 +18808,7 @@
           <p:cNvPr id="4" name="Table 4">
             <a:extLst>
               <a:ext uri="{FF2B5EF4-FFF2-40B4-BE49-F238E27FC236}">
-                <a16:creationId xmlns="" xmlns:a16="http://schemas.microsoft.com/office/drawing/2014/main" id="{704B46D0-1FD4-434F-A1F0-FCD62EC951FE}"/>
+                <a16:creationId xmlns:a16="http://schemas.microsoft.com/office/drawing/2014/main" xmlns="" id="{704B46D0-1FD4-434F-A1F0-FCD62EC951FE}"/>
               </a:ext>
             </a:extLst>
           </p:cNvPr>
@@ -18847,21 +18838,21 @@
                 <a:gridCol w="562968">
                   <a:extLst>
                     <a:ext uri="{9D8B030D-6E8A-4147-A177-3AD203B41FA5}">
-                      <a16:colId xmlns="" xmlns:a16="http://schemas.microsoft.com/office/drawing/2014/main" val="2255583665"/>
+                      <a16:colId xmlns:a16="http://schemas.microsoft.com/office/drawing/2014/main" xmlns="" val="2255583665"/>
                     </a:ext>
                   </a:extLst>
                 </a:gridCol>
                 <a:gridCol w="1108880">
                   <a:extLst>
                     <a:ext uri="{9D8B030D-6E8A-4147-A177-3AD203B41FA5}">
-                      <a16:colId xmlns="" xmlns:a16="http://schemas.microsoft.com/office/drawing/2014/main" val="2211105629"/>
+                      <a16:colId xmlns:a16="http://schemas.microsoft.com/office/drawing/2014/main" xmlns="" val="2211105629"/>
                     </a:ext>
                   </a:extLst>
                 </a:gridCol>
                 <a:gridCol w="1108880">
                   <a:extLst>
                     <a:ext uri="{9D8B030D-6E8A-4147-A177-3AD203B41FA5}">
-                      <a16:colId xmlns="" xmlns:a16="http://schemas.microsoft.com/office/drawing/2014/main" val="2237768524"/>
+                      <a16:colId xmlns:a16="http://schemas.microsoft.com/office/drawing/2014/main" xmlns="" val="2237768524"/>
                     </a:ext>
                   </a:extLst>
                 </a:gridCol>
@@ -18908,7 +18899,7 @@
                 </a:tc>
                 <a:extLst>
                   <a:ext uri="{0D108BD9-81ED-4DB2-BD59-A6C34878D82A}">
-                    <a16:rowId xmlns="" xmlns:a16="http://schemas.microsoft.com/office/drawing/2014/main" val="4239532435"/>
+                    <a16:rowId xmlns:a16="http://schemas.microsoft.com/office/drawing/2014/main" xmlns="" val="4239532435"/>
                   </a:ext>
                 </a:extLst>
               </a:tr>
@@ -18921,7 +18912,7 @@
           <p:cNvPr id="6" name="Table 4">
             <a:extLst>
               <a:ext uri="{FF2B5EF4-FFF2-40B4-BE49-F238E27FC236}">
-                <a16:creationId xmlns="" xmlns:a16="http://schemas.microsoft.com/office/drawing/2014/main" id="{DFB918F5-2C65-47F8-BE23-69EB089AC20B}"/>
+                <a16:creationId xmlns:a16="http://schemas.microsoft.com/office/drawing/2014/main" xmlns="" id="{DFB918F5-2C65-47F8-BE23-69EB089AC20B}"/>
               </a:ext>
             </a:extLst>
           </p:cNvPr>
@@ -18944,21 +18935,21 @@
                 <a:gridCol w="665327">
                   <a:extLst>
                     <a:ext uri="{9D8B030D-6E8A-4147-A177-3AD203B41FA5}">
-                      <a16:colId xmlns="" xmlns:a16="http://schemas.microsoft.com/office/drawing/2014/main" val="2255583665"/>
+                      <a16:colId xmlns:a16="http://schemas.microsoft.com/office/drawing/2014/main" xmlns="" val="2255583665"/>
                     </a:ext>
                   </a:extLst>
                 </a:gridCol>
                 <a:gridCol w="1177118">
                   <a:extLst>
                     <a:ext uri="{9D8B030D-6E8A-4147-A177-3AD203B41FA5}">
-                      <a16:colId xmlns="" xmlns:a16="http://schemas.microsoft.com/office/drawing/2014/main" val="2211105629"/>
+                      <a16:colId xmlns:a16="http://schemas.microsoft.com/office/drawing/2014/main" xmlns="" val="2211105629"/>
                     </a:ext>
                   </a:extLst>
                 </a:gridCol>
                 <a:gridCol w="1245358">
                   <a:extLst>
                     <a:ext uri="{9D8B030D-6E8A-4147-A177-3AD203B41FA5}">
-                      <a16:colId xmlns="" xmlns:a16="http://schemas.microsoft.com/office/drawing/2014/main" val="2237768524"/>
+                      <a16:colId xmlns:a16="http://schemas.microsoft.com/office/drawing/2014/main" xmlns="" val="2237768524"/>
                     </a:ext>
                   </a:extLst>
                 </a:gridCol>
@@ -19005,7 +18996,7 @@
                 </a:tc>
                 <a:extLst>
                   <a:ext uri="{0D108BD9-81ED-4DB2-BD59-A6C34878D82A}">
-                    <a16:rowId xmlns="" xmlns:a16="http://schemas.microsoft.com/office/drawing/2014/main" val="4239532435"/>
+                    <a16:rowId xmlns:a16="http://schemas.microsoft.com/office/drawing/2014/main" xmlns="" val="4239532435"/>
                   </a:ext>
                 </a:extLst>
               </a:tr>
@@ -19018,7 +19009,7 @@
           <p:cNvPr id="8" name="Table 4">
             <a:extLst>
               <a:ext uri="{FF2B5EF4-FFF2-40B4-BE49-F238E27FC236}">
-                <a16:creationId xmlns="" xmlns:a16="http://schemas.microsoft.com/office/drawing/2014/main" id="{8E438B4B-6DAC-41EB-85EA-3ADE74A5482B}"/>
+                <a16:creationId xmlns:a16="http://schemas.microsoft.com/office/drawing/2014/main" xmlns="" id="{8E438B4B-6DAC-41EB-85EA-3ADE74A5482B}"/>
               </a:ext>
             </a:extLst>
           </p:cNvPr>
@@ -19041,28 +19032,28 @@
                 <a:gridCol w="699446">
                   <a:extLst>
                     <a:ext uri="{9D8B030D-6E8A-4147-A177-3AD203B41FA5}">
-                      <a16:colId xmlns="" xmlns:a16="http://schemas.microsoft.com/office/drawing/2014/main" val="2255583665"/>
+                      <a16:colId xmlns:a16="http://schemas.microsoft.com/office/drawing/2014/main" xmlns="" val="2255583665"/>
                     </a:ext>
                   </a:extLst>
                 </a:gridCol>
                 <a:gridCol w="733567">
                   <a:extLst>
                     <a:ext uri="{9D8B030D-6E8A-4147-A177-3AD203B41FA5}">
-                      <a16:colId xmlns="" xmlns:a16="http://schemas.microsoft.com/office/drawing/2014/main" val="2211105629"/>
+                      <a16:colId xmlns:a16="http://schemas.microsoft.com/office/drawing/2014/main" xmlns="" val="2211105629"/>
                     </a:ext>
                   </a:extLst>
                 </a:gridCol>
                 <a:gridCol w="699446">
                   <a:extLst>
                     <a:ext uri="{9D8B030D-6E8A-4147-A177-3AD203B41FA5}">
-                      <a16:colId xmlns="" xmlns:a16="http://schemas.microsoft.com/office/drawing/2014/main" val="2237768524"/>
+                      <a16:colId xmlns:a16="http://schemas.microsoft.com/office/drawing/2014/main" xmlns="" val="2237768524"/>
                     </a:ext>
                   </a:extLst>
                 </a:gridCol>
                 <a:gridCol w="1023582">
                   <a:extLst>
                     <a:ext uri="{9D8B030D-6E8A-4147-A177-3AD203B41FA5}">
-                      <a16:colId xmlns="" xmlns:a16="http://schemas.microsoft.com/office/drawing/2014/main" val="3240690721"/>
+                      <a16:colId xmlns:a16="http://schemas.microsoft.com/office/drawing/2014/main" xmlns="" val="3240690721"/>
                     </a:ext>
                   </a:extLst>
                 </a:gridCol>
@@ -19122,7 +19113,7 @@
                 </a:tc>
                 <a:extLst>
                   <a:ext uri="{0D108BD9-81ED-4DB2-BD59-A6C34878D82A}">
-                    <a16:rowId xmlns="" xmlns:a16="http://schemas.microsoft.com/office/drawing/2014/main" val="4239532435"/>
+                    <a16:rowId xmlns:a16="http://schemas.microsoft.com/office/drawing/2014/main" xmlns="" val="4239532435"/>
                   </a:ext>
                 </a:extLst>
               </a:tr>
@@ -19135,7 +19126,7 @@
           <p:cNvPr id="10" name="Table 4">
             <a:extLst>
               <a:ext uri="{FF2B5EF4-FFF2-40B4-BE49-F238E27FC236}">
-                <a16:creationId xmlns="" xmlns:a16="http://schemas.microsoft.com/office/drawing/2014/main" id="{84CB91D8-EEE0-4980-9F8E-6A518035AC8D}"/>
+                <a16:creationId xmlns:a16="http://schemas.microsoft.com/office/drawing/2014/main" xmlns="" id="{84CB91D8-EEE0-4980-9F8E-6A518035AC8D}"/>
               </a:ext>
             </a:extLst>
           </p:cNvPr>
@@ -19164,21 +19155,21 @@
                 <a:gridCol w="471214">
                   <a:extLst>
                     <a:ext uri="{9D8B030D-6E8A-4147-A177-3AD203B41FA5}">
-                      <a16:colId xmlns="" xmlns:a16="http://schemas.microsoft.com/office/drawing/2014/main" val="2255583665"/>
+                      <a16:colId xmlns:a16="http://schemas.microsoft.com/office/drawing/2014/main" xmlns="" val="2255583665"/>
                     </a:ext>
                   </a:extLst>
                 </a:gridCol>
                 <a:gridCol w="891943">
                   <a:extLst>
                     <a:ext uri="{9D8B030D-6E8A-4147-A177-3AD203B41FA5}">
-                      <a16:colId xmlns="" xmlns:a16="http://schemas.microsoft.com/office/drawing/2014/main" val="2211105629"/>
+                      <a16:colId xmlns:a16="http://schemas.microsoft.com/office/drawing/2014/main" xmlns="" val="2211105629"/>
                     </a:ext>
                   </a:extLst>
                 </a:gridCol>
                 <a:gridCol w="1009746">
                   <a:extLst>
                     <a:ext uri="{9D8B030D-6E8A-4147-A177-3AD203B41FA5}">
-                      <a16:colId xmlns="" xmlns:a16="http://schemas.microsoft.com/office/drawing/2014/main" val="2237768524"/>
+                      <a16:colId xmlns:a16="http://schemas.microsoft.com/office/drawing/2014/main" xmlns="" val="2237768524"/>
                     </a:ext>
                   </a:extLst>
                 </a:gridCol>
@@ -19225,7 +19216,7 @@
                 </a:tc>
                 <a:extLst>
                   <a:ext uri="{0D108BD9-81ED-4DB2-BD59-A6C34878D82A}">
-                    <a16:rowId xmlns="" xmlns:a16="http://schemas.microsoft.com/office/drawing/2014/main" val="4239532435"/>
+                    <a16:rowId xmlns:a16="http://schemas.microsoft.com/office/drawing/2014/main" xmlns="" val="4239532435"/>
                   </a:ext>
                 </a:extLst>
               </a:tr>
@@ -19238,7 +19229,7 @@
           <p:cNvPr id="11" name="TextBox 10">
             <a:extLst>
               <a:ext uri="{FF2B5EF4-FFF2-40B4-BE49-F238E27FC236}">
-                <a16:creationId xmlns="" xmlns:a16="http://schemas.microsoft.com/office/drawing/2014/main" id="{D2DE7EE4-800F-413E-96AA-DCF08AE4ED4F}"/>
+                <a16:creationId xmlns:a16="http://schemas.microsoft.com/office/drawing/2014/main" xmlns="" id="{D2DE7EE4-800F-413E-96AA-DCF08AE4ED4F}"/>
               </a:ext>
             </a:extLst>
           </p:cNvPr>
@@ -19277,7 +19268,7 @@
           <p:cNvPr id="12" name="TextBox 11">
             <a:extLst>
               <a:ext uri="{FF2B5EF4-FFF2-40B4-BE49-F238E27FC236}">
-                <a16:creationId xmlns="" xmlns:a16="http://schemas.microsoft.com/office/drawing/2014/main" id="{8A19EC7F-CA9D-4C10-9F34-F0193F3400C6}"/>
+                <a16:creationId xmlns:a16="http://schemas.microsoft.com/office/drawing/2014/main" xmlns="" id="{8A19EC7F-CA9D-4C10-9F34-F0193F3400C6}"/>
               </a:ext>
             </a:extLst>
           </p:cNvPr>
@@ -19315,7 +19306,7 @@
           <p:cNvPr id="13" name="TextBox 12">
             <a:extLst>
               <a:ext uri="{FF2B5EF4-FFF2-40B4-BE49-F238E27FC236}">
-                <a16:creationId xmlns="" xmlns:a16="http://schemas.microsoft.com/office/drawing/2014/main" id="{1A121057-D27B-4F4A-8E9F-558C1BA7D723}"/>
+                <a16:creationId xmlns:a16="http://schemas.microsoft.com/office/drawing/2014/main" xmlns="" id="{1A121057-D27B-4F4A-8E9F-558C1BA7D723}"/>
               </a:ext>
             </a:extLst>
           </p:cNvPr>
@@ -19354,7 +19345,7 @@
           <p:cNvPr id="14" name="TextBox 13">
             <a:extLst>
               <a:ext uri="{FF2B5EF4-FFF2-40B4-BE49-F238E27FC236}">
-                <a16:creationId xmlns="" xmlns:a16="http://schemas.microsoft.com/office/drawing/2014/main" id="{B9563A76-5378-4911-AAB7-7461716AD941}"/>
+                <a16:creationId xmlns:a16="http://schemas.microsoft.com/office/drawing/2014/main" xmlns="" id="{B9563A76-5378-4911-AAB7-7461716AD941}"/>
               </a:ext>
             </a:extLst>
           </p:cNvPr>
@@ -19393,7 +19384,7 @@
           <p:cNvPr id="16" name="Straight Arrow Connector 15">
             <a:extLst>
               <a:ext uri="{FF2B5EF4-FFF2-40B4-BE49-F238E27FC236}">
-                <a16:creationId xmlns="" xmlns:a16="http://schemas.microsoft.com/office/drawing/2014/main" id="{62040390-B2A4-4E96-91CA-3761445507A4}"/>
+                <a16:creationId xmlns:a16="http://schemas.microsoft.com/office/drawing/2014/main" xmlns="" id="{62040390-B2A4-4E96-91CA-3761445507A4}"/>
               </a:ext>
             </a:extLst>
           </p:cNvPr>
@@ -19432,7 +19423,7 @@
           <p:cNvPr id="17" name="Straight Arrow Connector 16">
             <a:extLst>
               <a:ext uri="{FF2B5EF4-FFF2-40B4-BE49-F238E27FC236}">
-                <a16:creationId xmlns="" xmlns:a16="http://schemas.microsoft.com/office/drawing/2014/main" id="{7403CF25-AA7E-4498-99A0-7113A4370B0C}"/>
+                <a16:creationId xmlns:a16="http://schemas.microsoft.com/office/drawing/2014/main" xmlns="" id="{7403CF25-AA7E-4498-99A0-7113A4370B0C}"/>
               </a:ext>
             </a:extLst>
           </p:cNvPr>
@@ -19473,7 +19464,7 @@
           <p:cNvPr id="19" name="Straight Arrow Connector 18">
             <a:extLst>
               <a:ext uri="{FF2B5EF4-FFF2-40B4-BE49-F238E27FC236}">
-                <a16:creationId xmlns="" xmlns:a16="http://schemas.microsoft.com/office/drawing/2014/main" id="{A69EFA0D-8B87-4384-BE17-2B9BFFABFE58}"/>
+                <a16:creationId xmlns:a16="http://schemas.microsoft.com/office/drawing/2014/main" xmlns="" id="{A69EFA0D-8B87-4384-BE17-2B9BFFABFE58}"/>
               </a:ext>
             </a:extLst>
           </p:cNvPr>
@@ -19514,7 +19505,7 @@
           <p:cNvPr id="20" name="TextBox 19">
             <a:extLst>
               <a:ext uri="{FF2B5EF4-FFF2-40B4-BE49-F238E27FC236}">
-                <a16:creationId xmlns="" xmlns:a16="http://schemas.microsoft.com/office/drawing/2014/main" id="{E5F39E0C-3EAE-4A38-A43F-5F750666CCD1}"/>
+                <a16:creationId xmlns:a16="http://schemas.microsoft.com/office/drawing/2014/main" xmlns="" id="{E5F39E0C-3EAE-4A38-A43F-5F750666CCD1}"/>
               </a:ext>
             </a:extLst>
           </p:cNvPr>
@@ -19784,7 +19775,7 @@
           <p:cNvPr id="2" name="Title 1">
             <a:extLst>
               <a:ext uri="{FF2B5EF4-FFF2-40B4-BE49-F238E27FC236}">
-                <a16:creationId xmlns="" xmlns:a16="http://schemas.microsoft.com/office/drawing/2014/main" id="{D3E0E065-B6B3-4D61-959B-E0F9CE757D4A}"/>
+                <a16:creationId xmlns:a16="http://schemas.microsoft.com/office/drawing/2014/main" xmlns="" id="{D3E0E065-B6B3-4D61-959B-E0F9CE757D4A}"/>
               </a:ext>
             </a:extLst>
           </p:cNvPr>
@@ -19815,7 +19806,7 @@
           <p:cNvPr id="3" name="Content Placeholder 2">
             <a:extLst>
               <a:ext uri="{FF2B5EF4-FFF2-40B4-BE49-F238E27FC236}">
-                <a16:creationId xmlns="" xmlns:a16="http://schemas.microsoft.com/office/drawing/2014/main" id="{A95336D2-6DA9-4A85-80FF-C05B450A79B5}"/>
+                <a16:creationId xmlns:a16="http://schemas.microsoft.com/office/drawing/2014/main" xmlns="" id="{A95336D2-6DA9-4A85-80FF-C05B450A79B5}"/>
               </a:ext>
             </a:extLst>
           </p:cNvPr>

--- a/Databasae management system/theory/course material/Lecture 4 Logical DesignConstraints.pptx
+++ b/Databasae management system/theory/course material/Lecture 4 Logical DesignConstraints.pptx
@@ -218,7 +218,7 @@
           <a:p>
             <a:fld id="{F4066800-1126-492D-9ABA-3AAAA985A454}" type="datetimeFigureOut">
               <a:rPr lang="en-US" smtClean="0"/>
-              <a:t>12/1/2024</a:t>
+              <a:t>12/14/2024</a:t>
             </a:fld>
             <a:endParaRPr lang="en-US"/>
           </a:p>
@@ -820,7 +820,7 @@
           <a:p>
             <a:fld id="{E9AEBA08-3077-4F05-9E64-E40AA7C941B3}" type="datetime1">
               <a:rPr lang="en-US" smtClean="0"/>
-              <a:t>12/1/2024</a:t>
+              <a:t>12/14/2024</a:t>
             </a:fld>
             <a:endParaRPr lang="en-US"/>
           </a:p>
@@ -1908,7 +1908,7 @@
           <a:p>
             <a:fld id="{C902B731-5771-4256-A8DE-05E6ED3EDBCB}" type="datetime1">
               <a:rPr lang="en-US" smtClean="0"/>
-              <a:t>12/1/2024</a:t>
+              <a:t>12/14/2024</a:t>
             </a:fld>
             <a:endParaRPr lang="en-US"/>
           </a:p>
@@ -2888,7 +2888,7 @@
           <a:p>
             <a:fld id="{E0F40BEF-90C7-4D7C-8048-98B51FC1B451}" type="datetime1">
               <a:rPr lang="en-US" smtClean="0"/>
-              <a:t>12/1/2024</a:t>
+              <a:t>12/14/2024</a:t>
             </a:fld>
             <a:endParaRPr lang="en-US"/>
           </a:p>
@@ -4022,7 +4022,7 @@
           <a:p>
             <a:fld id="{662B38DD-C1CA-4923-9F3A-1F9544C713F0}" type="datetime1">
               <a:rPr lang="en-US" smtClean="0"/>
-              <a:t>12/1/2024</a:t>
+              <a:t>12/14/2024</a:t>
             </a:fld>
             <a:endParaRPr lang="en-US"/>
           </a:p>
@@ -5055,7 +5055,7 @@
           <a:p>
             <a:fld id="{49CF29D8-E50D-41D3-915C-3137ACB64C32}" type="datetime1">
               <a:rPr lang="en-US" smtClean="0"/>
-              <a:t>12/1/2024</a:t>
+              <a:t>12/14/2024</a:t>
             </a:fld>
             <a:endParaRPr lang="en-US"/>
           </a:p>
@@ -5715,7 +5715,7 @@
           <a:p>
             <a:fld id="{34D95C72-14D7-4977-BC30-6240C2F0FD33}" type="datetime1">
               <a:rPr lang="en-US" smtClean="0"/>
-              <a:t>12/1/2024</a:t>
+              <a:t>12/14/2024</a:t>
             </a:fld>
             <a:endParaRPr lang="en-US"/>
           </a:p>
@@ -6576,7 +6576,7 @@
           <a:p>
             <a:fld id="{B2F2C3B1-D988-4052-B475-7FAB971E438F}" type="datetime1">
               <a:rPr lang="en-US" smtClean="0"/>
-              <a:t>12/1/2024</a:t>
+              <a:t>12/14/2024</a:t>
             </a:fld>
             <a:endParaRPr lang="en-US"/>
           </a:p>
@@ -6766,7 +6766,7 @@
           <a:p>
             <a:fld id="{073C2726-1EBB-4DA6-AEE1-E7ED6B5CF07D}" type="datetime1">
               <a:rPr lang="en-US" smtClean="0"/>
-              <a:t>12/1/2024</a:t>
+              <a:t>12/14/2024</a:t>
             </a:fld>
             <a:endParaRPr lang="en-US"/>
           </a:p>
@@ -7738,7 +7738,7 @@
           <a:p>
             <a:fld id="{624B6C54-5C30-4D7A-B8D4-62343018E8AD}" type="datetime1">
               <a:rPr lang="en-US" smtClean="0"/>
-              <a:t>12/1/2024</a:t>
+              <a:t>12/14/2024</a:t>
             </a:fld>
             <a:endParaRPr lang="en-US"/>
           </a:p>
@@ -7949,7 +7949,7 @@
           <a:p>
             <a:fld id="{9073A113-2147-4A20-9CCD-CC6A120CCF34}" type="datetime1">
               <a:rPr lang="en-US" smtClean="0"/>
-              <a:t>12/1/2024</a:t>
+              <a:t>12/14/2024</a:t>
             </a:fld>
             <a:endParaRPr lang="en-US"/>
           </a:p>
@@ -8983,7 +8983,7 @@
           <a:p>
             <a:fld id="{FA815294-E512-4C35-B017-E10B330B57C5}" type="datetime1">
               <a:rPr lang="en-US" smtClean="0"/>
-              <a:t>12/1/2024</a:t>
+              <a:t>12/14/2024</a:t>
             </a:fld>
             <a:endParaRPr lang="en-US"/>
           </a:p>
@@ -9255,7 +9255,7 @@
           <a:p>
             <a:fld id="{4AE9C36F-69B7-45C4-9A9F-386F4E9D3B0E}" type="datetime1">
               <a:rPr lang="en-US" smtClean="0"/>
-              <a:t>12/1/2024</a:t>
+              <a:t>12/14/2024</a:t>
             </a:fld>
             <a:endParaRPr lang="en-US"/>
           </a:p>
@@ -9665,7 +9665,7 @@
           <a:p>
             <a:fld id="{C45D654B-7707-44A6-98C3-2ACF0F616E41}" type="datetime1">
               <a:rPr lang="en-US" smtClean="0"/>
-              <a:t>12/1/2024</a:t>
+              <a:t>12/14/2024</a:t>
             </a:fld>
             <a:endParaRPr lang="en-US"/>
           </a:p>
@@ -9792,7 +9792,7 @@
           <a:p>
             <a:fld id="{B615936A-DDB2-4FA6-815E-B44D5F85E942}" type="datetime1">
               <a:rPr lang="en-US" smtClean="0"/>
-              <a:t>12/1/2024</a:t>
+              <a:t>12/14/2024</a:t>
             </a:fld>
             <a:endParaRPr lang="en-US"/>
           </a:p>
@@ -9887,7 +9887,7 @@
           <a:p>
             <a:fld id="{5E493361-393B-495C-ACD5-79BDAE02CD78}" type="datetime1">
               <a:rPr lang="en-US" smtClean="0"/>
-              <a:t>12/1/2024</a:t>
+              <a:t>12/14/2024</a:t>
             </a:fld>
             <a:endParaRPr lang="en-US"/>
           </a:p>
@@ -10968,7 +10968,7 @@
           <a:p>
             <a:fld id="{4F22D2E4-4F54-400B-9383-F9E96C015DB1}" type="datetime1">
               <a:rPr lang="en-US" smtClean="0"/>
-              <a:t>12/1/2024</a:t>
+              <a:t>12/14/2024</a:t>
             </a:fld>
             <a:endParaRPr lang="en-US"/>
           </a:p>
@@ -12076,7 +12076,7 @@
           <a:p>
             <a:fld id="{85A2C472-E481-4B44-8DB4-36C76A456ED3}" type="datetime1">
               <a:rPr lang="en-US" smtClean="0"/>
-              <a:t>12/1/2024</a:t>
+              <a:t>12/14/2024</a:t>
             </a:fld>
             <a:endParaRPr lang="en-US"/>
           </a:p>
@@ -13073,7 +13073,7 @@
           <a:p>
             <a:fld id="{EA06FE8C-3D14-4794-9777-EB582466837C}" type="datetime1">
               <a:rPr lang="en-US" smtClean="0"/>
-              <a:t>12/1/2024</a:t>
+              <a:t>12/14/2024</a:t>
             </a:fld>
             <a:endParaRPr lang="en-US"/>
           </a:p>
@@ -13704,7 +13704,7 @@
           <p:cNvPr id="5" name="Title 4">
             <a:extLst>
               <a:ext uri="{FF2B5EF4-FFF2-40B4-BE49-F238E27FC236}">
-                <a16:creationId xmlns:a16="http://schemas.microsoft.com/office/drawing/2014/main" xmlns="" id="{BA6356C9-D8E2-4783-A156-61C95BB77D4E}"/>
+                <a16:creationId xmlns="" xmlns:a16="http://schemas.microsoft.com/office/drawing/2014/main" id="{BA6356C9-D8E2-4783-A156-61C95BB77D4E}"/>
               </a:ext>
             </a:extLst>
           </p:cNvPr>
@@ -13732,7 +13732,7 @@
           <p:cNvPr id="6" name="Content Placeholder 5">
             <a:extLst>
               <a:ext uri="{FF2B5EF4-FFF2-40B4-BE49-F238E27FC236}">
-                <a16:creationId xmlns:a16="http://schemas.microsoft.com/office/drawing/2014/main" xmlns="" id="{CF213471-8A2A-4CCA-8DCE-782CA5129F08}"/>
+                <a16:creationId xmlns="" xmlns:a16="http://schemas.microsoft.com/office/drawing/2014/main" id="{CF213471-8A2A-4CCA-8DCE-782CA5129F08}"/>
               </a:ext>
             </a:extLst>
           </p:cNvPr>
@@ -13797,7 +13797,7 @@
           <p:cNvPr id="4" name="Slide Number Placeholder 3">
             <a:extLst>
               <a:ext uri="{FF2B5EF4-FFF2-40B4-BE49-F238E27FC236}">
-                <a16:creationId xmlns:a16="http://schemas.microsoft.com/office/drawing/2014/main" xmlns="" id="{3FD7E763-C7EE-422E-8DEF-336C5968E041}"/>
+                <a16:creationId xmlns="" xmlns:a16="http://schemas.microsoft.com/office/drawing/2014/main" id="{3FD7E763-C7EE-422E-8DEF-336C5968E041}"/>
               </a:ext>
             </a:extLst>
           </p:cNvPr>
@@ -13856,7 +13856,7 @@
           <p:cNvPr id="5" name="Title 4">
             <a:extLst>
               <a:ext uri="{FF2B5EF4-FFF2-40B4-BE49-F238E27FC236}">
-                <a16:creationId xmlns:a16="http://schemas.microsoft.com/office/drawing/2014/main" xmlns="" id="{BA6356C9-D8E2-4783-A156-61C95BB77D4E}"/>
+                <a16:creationId xmlns="" xmlns:a16="http://schemas.microsoft.com/office/drawing/2014/main" id="{BA6356C9-D8E2-4783-A156-61C95BB77D4E}"/>
               </a:ext>
             </a:extLst>
           </p:cNvPr>
@@ -13884,7 +13884,7 @@
           <p:cNvPr id="6" name="Content Placeholder 5">
             <a:extLst>
               <a:ext uri="{FF2B5EF4-FFF2-40B4-BE49-F238E27FC236}">
-                <a16:creationId xmlns:a16="http://schemas.microsoft.com/office/drawing/2014/main" xmlns="" id="{CF213471-8A2A-4CCA-8DCE-782CA5129F08}"/>
+                <a16:creationId xmlns="" xmlns:a16="http://schemas.microsoft.com/office/drawing/2014/main" id="{CF213471-8A2A-4CCA-8DCE-782CA5129F08}"/>
               </a:ext>
             </a:extLst>
           </p:cNvPr>
@@ -14025,7 +14025,7 @@
           <p:cNvPr id="4" name="Slide Number Placeholder 3">
             <a:extLst>
               <a:ext uri="{FF2B5EF4-FFF2-40B4-BE49-F238E27FC236}">
-                <a16:creationId xmlns:a16="http://schemas.microsoft.com/office/drawing/2014/main" xmlns="" id="{3FD7E763-C7EE-422E-8DEF-336C5968E041}"/>
+                <a16:creationId xmlns="" xmlns:a16="http://schemas.microsoft.com/office/drawing/2014/main" id="{3FD7E763-C7EE-422E-8DEF-336C5968E041}"/>
               </a:ext>
             </a:extLst>
           </p:cNvPr>
@@ -14084,7 +14084,7 @@
           <p:cNvPr id="5" name="Title 4">
             <a:extLst>
               <a:ext uri="{FF2B5EF4-FFF2-40B4-BE49-F238E27FC236}">
-                <a16:creationId xmlns:a16="http://schemas.microsoft.com/office/drawing/2014/main" xmlns="" id="{BA6356C9-D8E2-4783-A156-61C95BB77D4E}"/>
+                <a16:creationId xmlns="" xmlns:a16="http://schemas.microsoft.com/office/drawing/2014/main" id="{BA6356C9-D8E2-4783-A156-61C95BB77D4E}"/>
               </a:ext>
             </a:extLst>
           </p:cNvPr>
@@ -14112,7 +14112,7 @@
           <p:cNvPr id="6" name="Content Placeholder 5">
             <a:extLst>
               <a:ext uri="{FF2B5EF4-FFF2-40B4-BE49-F238E27FC236}">
-                <a16:creationId xmlns:a16="http://schemas.microsoft.com/office/drawing/2014/main" xmlns="" id="{CF213471-8A2A-4CCA-8DCE-782CA5129F08}"/>
+                <a16:creationId xmlns="" xmlns:a16="http://schemas.microsoft.com/office/drawing/2014/main" id="{CF213471-8A2A-4CCA-8DCE-782CA5129F08}"/>
               </a:ext>
             </a:extLst>
           </p:cNvPr>
@@ -14158,7 +14158,7 @@
           <p:cNvPr id="4" name="Slide Number Placeholder 3">
             <a:extLst>
               <a:ext uri="{FF2B5EF4-FFF2-40B4-BE49-F238E27FC236}">
-                <a16:creationId xmlns:a16="http://schemas.microsoft.com/office/drawing/2014/main" xmlns="" id="{3FD7E763-C7EE-422E-8DEF-336C5968E041}"/>
+                <a16:creationId xmlns="" xmlns:a16="http://schemas.microsoft.com/office/drawing/2014/main" id="{3FD7E763-C7EE-422E-8DEF-336C5968E041}"/>
               </a:ext>
             </a:extLst>
           </p:cNvPr>
@@ -14217,7 +14217,7 @@
           <p:cNvPr id="5" name="Title 4">
             <a:extLst>
               <a:ext uri="{FF2B5EF4-FFF2-40B4-BE49-F238E27FC236}">
-                <a16:creationId xmlns:a16="http://schemas.microsoft.com/office/drawing/2014/main" xmlns="" id="{BA6356C9-D8E2-4783-A156-61C95BB77D4E}"/>
+                <a16:creationId xmlns="" xmlns:a16="http://schemas.microsoft.com/office/drawing/2014/main" id="{BA6356C9-D8E2-4783-A156-61C95BB77D4E}"/>
               </a:ext>
             </a:extLst>
           </p:cNvPr>
@@ -14245,7 +14245,7 @@
           <p:cNvPr id="6" name="Content Placeholder 5">
             <a:extLst>
               <a:ext uri="{FF2B5EF4-FFF2-40B4-BE49-F238E27FC236}">
-                <a16:creationId xmlns:a16="http://schemas.microsoft.com/office/drawing/2014/main" xmlns="" id="{CF213471-8A2A-4CCA-8DCE-782CA5129F08}"/>
+                <a16:creationId xmlns="" xmlns:a16="http://schemas.microsoft.com/office/drawing/2014/main" id="{CF213471-8A2A-4CCA-8DCE-782CA5129F08}"/>
               </a:ext>
             </a:extLst>
           </p:cNvPr>
@@ -14305,7 +14305,7 @@
           <p:cNvPr id="4" name="Slide Number Placeholder 3">
             <a:extLst>
               <a:ext uri="{FF2B5EF4-FFF2-40B4-BE49-F238E27FC236}">
-                <a16:creationId xmlns:a16="http://schemas.microsoft.com/office/drawing/2014/main" xmlns="" id="{3FD7E763-C7EE-422E-8DEF-336C5968E041}"/>
+                <a16:creationId xmlns="" xmlns:a16="http://schemas.microsoft.com/office/drawing/2014/main" id="{3FD7E763-C7EE-422E-8DEF-336C5968E041}"/>
               </a:ext>
             </a:extLst>
           </p:cNvPr>
@@ -14364,7 +14364,7 @@
           <p:cNvPr id="2" name="Title 1">
             <a:extLst>
               <a:ext uri="{FF2B5EF4-FFF2-40B4-BE49-F238E27FC236}">
-                <a16:creationId xmlns:a16="http://schemas.microsoft.com/office/drawing/2014/main" xmlns="" id="{43688451-BCFC-49DD-9A2A-9667B5840FB9}"/>
+                <a16:creationId xmlns="" xmlns:a16="http://schemas.microsoft.com/office/drawing/2014/main" id="{43688451-BCFC-49DD-9A2A-9667B5840FB9}"/>
               </a:ext>
             </a:extLst>
           </p:cNvPr>
@@ -14392,7 +14392,7 @@
           <p:cNvPr id="3" name="Content Placeholder 2">
             <a:extLst>
               <a:ext uri="{FF2B5EF4-FFF2-40B4-BE49-F238E27FC236}">
-                <a16:creationId xmlns:a16="http://schemas.microsoft.com/office/drawing/2014/main" xmlns="" id="{9521CB66-899C-42AE-BDCF-DC850CE098CB}"/>
+                <a16:creationId xmlns="" xmlns:a16="http://schemas.microsoft.com/office/drawing/2014/main" id="{9521CB66-899C-42AE-BDCF-DC850CE098CB}"/>
               </a:ext>
             </a:extLst>
           </p:cNvPr>
@@ -14544,7 +14544,7 @@
           <p:cNvPr id="4" name="Slide Number Placeholder 3">
             <a:extLst>
               <a:ext uri="{FF2B5EF4-FFF2-40B4-BE49-F238E27FC236}">
-                <a16:creationId xmlns:a16="http://schemas.microsoft.com/office/drawing/2014/main" xmlns="" id="{5373253C-2AD3-4A14-A34C-0A51FD986070}"/>
+                <a16:creationId xmlns="" xmlns:a16="http://schemas.microsoft.com/office/drawing/2014/main" id="{5373253C-2AD3-4A14-A34C-0A51FD986070}"/>
               </a:ext>
             </a:extLst>
           </p:cNvPr>
@@ -14603,7 +14603,7 @@
           <p:cNvPr id="2" name="Title 1">
             <a:extLst>
               <a:ext uri="{FF2B5EF4-FFF2-40B4-BE49-F238E27FC236}">
-                <a16:creationId xmlns:a16="http://schemas.microsoft.com/office/drawing/2014/main" xmlns="" id="{D3E0E065-B6B3-4D61-959B-E0F9CE757D4A}"/>
+                <a16:creationId xmlns="" xmlns:a16="http://schemas.microsoft.com/office/drawing/2014/main" id="{D3E0E065-B6B3-4D61-959B-E0F9CE757D4A}"/>
               </a:ext>
             </a:extLst>
           </p:cNvPr>
@@ -14634,7 +14634,7 @@
           <p:cNvPr id="3" name="Content Placeholder 2">
             <a:extLst>
               <a:ext uri="{FF2B5EF4-FFF2-40B4-BE49-F238E27FC236}">
-                <a16:creationId xmlns:a16="http://schemas.microsoft.com/office/drawing/2014/main" xmlns="" id="{A95336D2-6DA9-4A85-80FF-C05B450A79B5}"/>
+                <a16:creationId xmlns="" xmlns:a16="http://schemas.microsoft.com/office/drawing/2014/main" id="{A95336D2-6DA9-4A85-80FF-C05B450A79B5}"/>
               </a:ext>
             </a:extLst>
           </p:cNvPr>
@@ -14861,7 +14861,7 @@
           <p:cNvPr id="2" name="Title 1">
             <a:extLst>
               <a:ext uri="{FF2B5EF4-FFF2-40B4-BE49-F238E27FC236}">
-                <a16:creationId xmlns:a16="http://schemas.microsoft.com/office/drawing/2014/main" xmlns="" id="{D4343339-940E-4E7E-9DBC-BC8F41ACAEBC}"/>
+                <a16:creationId xmlns="" xmlns:a16="http://schemas.microsoft.com/office/drawing/2014/main" id="{D4343339-940E-4E7E-9DBC-BC8F41ACAEBC}"/>
               </a:ext>
             </a:extLst>
           </p:cNvPr>
@@ -14898,7 +14898,7 @@
           <p:cNvPr id="5" name="TextBox 4">
             <a:extLst>
               <a:ext uri="{FF2B5EF4-FFF2-40B4-BE49-F238E27FC236}">
-                <a16:creationId xmlns:a16="http://schemas.microsoft.com/office/drawing/2014/main" xmlns="" id="{2AA6A4F5-5669-4CA1-9FDE-37DE7A7F14A5}"/>
+                <a16:creationId xmlns="" xmlns:a16="http://schemas.microsoft.com/office/drawing/2014/main" id="{2AA6A4F5-5669-4CA1-9FDE-37DE7A7F14A5}"/>
               </a:ext>
             </a:extLst>
           </p:cNvPr>
@@ -15474,7 +15474,7 @@
           <p:cNvPr id="2" name="Title 1">
             <a:extLst>
               <a:ext uri="{FF2B5EF4-FFF2-40B4-BE49-F238E27FC236}">
-                <a16:creationId xmlns:a16="http://schemas.microsoft.com/office/drawing/2014/main" xmlns="" id="{D4343339-940E-4E7E-9DBC-BC8F41ACAEBC}"/>
+                <a16:creationId xmlns="" xmlns:a16="http://schemas.microsoft.com/office/drawing/2014/main" id="{D4343339-940E-4E7E-9DBC-BC8F41ACAEBC}"/>
               </a:ext>
             </a:extLst>
           </p:cNvPr>
@@ -15511,7 +15511,7 @@
           <p:cNvPr id="5" name="TextBox 4">
             <a:extLst>
               <a:ext uri="{FF2B5EF4-FFF2-40B4-BE49-F238E27FC236}">
-                <a16:creationId xmlns:a16="http://schemas.microsoft.com/office/drawing/2014/main" xmlns="" id="{2AA6A4F5-5669-4CA1-9FDE-37DE7A7F14A5}"/>
+                <a16:creationId xmlns="" xmlns:a16="http://schemas.microsoft.com/office/drawing/2014/main" id="{2AA6A4F5-5669-4CA1-9FDE-37DE7A7F14A5}"/>
               </a:ext>
             </a:extLst>
           </p:cNvPr>
@@ -15890,7 +15890,7 @@
           <p:cNvPr id="2" name="Title 1">
             <a:extLst>
               <a:ext uri="{FF2B5EF4-FFF2-40B4-BE49-F238E27FC236}">
-                <a16:creationId xmlns:a16="http://schemas.microsoft.com/office/drawing/2014/main" xmlns="" id="{D4343339-940E-4E7E-9DBC-BC8F41ACAEBC}"/>
+                <a16:creationId xmlns="" xmlns:a16="http://schemas.microsoft.com/office/drawing/2014/main" id="{D4343339-940E-4E7E-9DBC-BC8F41ACAEBC}"/>
               </a:ext>
             </a:extLst>
           </p:cNvPr>
@@ -15927,7 +15927,7 @@
           <p:cNvPr id="5" name="TextBox 4">
             <a:extLst>
               <a:ext uri="{FF2B5EF4-FFF2-40B4-BE49-F238E27FC236}">
-                <a16:creationId xmlns:a16="http://schemas.microsoft.com/office/drawing/2014/main" xmlns="" id="{2AA6A4F5-5669-4CA1-9FDE-37DE7A7F14A5}"/>
+                <a16:creationId xmlns="" xmlns:a16="http://schemas.microsoft.com/office/drawing/2014/main" id="{2AA6A4F5-5669-4CA1-9FDE-37DE7A7F14A5}"/>
               </a:ext>
             </a:extLst>
           </p:cNvPr>
@@ -16308,7 +16308,7 @@
           <p:cNvPr id="5" name="Title 4">
             <a:extLst>
               <a:ext uri="{FF2B5EF4-FFF2-40B4-BE49-F238E27FC236}">
-                <a16:creationId xmlns:a16="http://schemas.microsoft.com/office/drawing/2014/main" xmlns="" id="{E1E922A6-C3DE-43CA-BE01-70D110144AF3}"/>
+                <a16:creationId xmlns="" xmlns:a16="http://schemas.microsoft.com/office/drawing/2014/main" id="{E1E922A6-C3DE-43CA-BE01-70D110144AF3}"/>
               </a:ext>
             </a:extLst>
           </p:cNvPr>
@@ -16336,7 +16336,7 @@
           <p:cNvPr id="6" name="Content Placeholder 5">
             <a:extLst>
               <a:ext uri="{FF2B5EF4-FFF2-40B4-BE49-F238E27FC236}">
-                <a16:creationId xmlns:a16="http://schemas.microsoft.com/office/drawing/2014/main" xmlns="" id="{553D4089-AFB4-49B6-A1C5-114050CFF3C7}"/>
+                <a16:creationId xmlns="" xmlns:a16="http://schemas.microsoft.com/office/drawing/2014/main" id="{553D4089-AFB4-49B6-A1C5-114050CFF3C7}"/>
               </a:ext>
             </a:extLst>
           </p:cNvPr>
@@ -16388,7 +16388,7 @@
           <p:cNvPr id="4" name="Slide Number Placeholder 3">
             <a:extLst>
               <a:ext uri="{FF2B5EF4-FFF2-40B4-BE49-F238E27FC236}">
-                <a16:creationId xmlns:a16="http://schemas.microsoft.com/office/drawing/2014/main" xmlns="" id="{CAB16602-E785-4BF2-A075-4422567B03E4}"/>
+                <a16:creationId xmlns="" xmlns:a16="http://schemas.microsoft.com/office/drawing/2014/main" id="{CAB16602-E785-4BF2-A075-4422567B03E4}"/>
               </a:ext>
             </a:extLst>
           </p:cNvPr>
@@ -16447,7 +16447,7 @@
           <p:cNvPr id="2" name="Title 1">
             <a:extLst>
               <a:ext uri="{FF2B5EF4-FFF2-40B4-BE49-F238E27FC236}">
-                <a16:creationId xmlns:a16="http://schemas.microsoft.com/office/drawing/2014/main" xmlns="" id="{F4B44AE3-1611-4AD5-BD35-BC11DA6D069B}"/>
+                <a16:creationId xmlns="" xmlns:a16="http://schemas.microsoft.com/office/drawing/2014/main" id="{F4B44AE3-1611-4AD5-BD35-BC11DA6D069B}"/>
               </a:ext>
             </a:extLst>
           </p:cNvPr>
@@ -16487,7 +16487,7 @@
           <p:cNvPr id="3" name="Text Placeholder 2">
             <a:extLst>
               <a:ext uri="{FF2B5EF4-FFF2-40B4-BE49-F238E27FC236}">
-                <a16:creationId xmlns:a16="http://schemas.microsoft.com/office/drawing/2014/main" xmlns="" id="{3F2285CD-F11A-4971-B04D-9DD237E2ED3C}"/>
+                <a16:creationId xmlns="" xmlns:a16="http://schemas.microsoft.com/office/drawing/2014/main" id="{3F2285CD-F11A-4971-B04D-9DD237E2ED3C}"/>
               </a:ext>
             </a:extLst>
           </p:cNvPr>
@@ -16518,7 +16518,7 @@
           <p:cNvPr id="4" name="Content Placeholder 3">
             <a:extLst>
               <a:ext uri="{FF2B5EF4-FFF2-40B4-BE49-F238E27FC236}">
-                <a16:creationId xmlns:a16="http://schemas.microsoft.com/office/drawing/2014/main" xmlns="" id="{70E987CF-BFA9-4317-9A57-AE961246EAE4}"/>
+                <a16:creationId xmlns="" xmlns:a16="http://schemas.microsoft.com/office/drawing/2014/main" id="{70E987CF-BFA9-4317-9A57-AE961246EAE4}"/>
               </a:ext>
             </a:extLst>
           </p:cNvPr>
@@ -16550,7 +16550,7 @@
           <p:cNvPr id="5" name="Text Placeholder 4">
             <a:extLst>
               <a:ext uri="{FF2B5EF4-FFF2-40B4-BE49-F238E27FC236}">
-                <a16:creationId xmlns:a16="http://schemas.microsoft.com/office/drawing/2014/main" xmlns="" id="{C0B8FCC1-814C-49FD-8F0E-5126342BDCB1}"/>
+                <a16:creationId xmlns="" xmlns:a16="http://schemas.microsoft.com/office/drawing/2014/main" id="{C0B8FCC1-814C-49FD-8F0E-5126342BDCB1}"/>
               </a:ext>
             </a:extLst>
           </p:cNvPr>
@@ -16580,7 +16580,7 @@
           <p:cNvPr id="6" name="Content Placeholder 5">
             <a:extLst>
               <a:ext uri="{FF2B5EF4-FFF2-40B4-BE49-F238E27FC236}">
-                <a16:creationId xmlns:a16="http://schemas.microsoft.com/office/drawing/2014/main" xmlns="" id="{9B75486D-2E88-4C0C-84C9-649A9222735F}"/>
+                <a16:creationId xmlns="" xmlns:a16="http://schemas.microsoft.com/office/drawing/2014/main" id="{9B75486D-2E88-4C0C-84C9-649A9222735F}"/>
               </a:ext>
             </a:extLst>
           </p:cNvPr>
@@ -16625,7 +16625,7 @@
           <p:cNvPr id="7" name="TextBox 6">
             <a:extLst>
               <a:ext uri="{FF2B5EF4-FFF2-40B4-BE49-F238E27FC236}">
-                <a16:creationId xmlns:a16="http://schemas.microsoft.com/office/drawing/2014/main" xmlns="" id="{D62C74F2-4BBC-4D2B-B14B-AA2E3FAFC262}"/>
+                <a16:creationId xmlns="" xmlns:a16="http://schemas.microsoft.com/office/drawing/2014/main" id="{D62C74F2-4BBC-4D2B-B14B-AA2E3FAFC262}"/>
               </a:ext>
             </a:extLst>
           </p:cNvPr>
@@ -16667,7 +16667,7 @@
           <p:cNvPr id="8" name="TextBox 7">
             <a:extLst>
               <a:ext uri="{FF2B5EF4-FFF2-40B4-BE49-F238E27FC236}">
-                <a16:creationId xmlns:a16="http://schemas.microsoft.com/office/drawing/2014/main" xmlns="" id="{A564A4D7-837A-40B6-A1F6-EA526CCA61C0}"/>
+                <a16:creationId xmlns="" xmlns:a16="http://schemas.microsoft.com/office/drawing/2014/main" id="{A564A4D7-837A-40B6-A1F6-EA526CCA61C0}"/>
               </a:ext>
             </a:extLst>
           </p:cNvPr>
@@ -16707,7 +16707,7 @@
           <p:cNvPr id="9" name="Table 9">
             <a:extLst>
               <a:ext uri="{FF2B5EF4-FFF2-40B4-BE49-F238E27FC236}">
-                <a16:creationId xmlns:a16="http://schemas.microsoft.com/office/drawing/2014/main" xmlns="" id="{BCC76FB6-9B48-4E2C-9F5C-F671B7298AC6}"/>
+                <a16:creationId xmlns="" xmlns:a16="http://schemas.microsoft.com/office/drawing/2014/main" id="{BCC76FB6-9B48-4E2C-9F5C-F671B7298AC6}"/>
               </a:ext>
             </a:extLst>
           </p:cNvPr>
@@ -16736,21 +16736,21 @@
                 <a:gridCol w="949239">
                   <a:extLst>
                     <a:ext uri="{9D8B030D-6E8A-4147-A177-3AD203B41FA5}">
-                      <a16:colId xmlns:a16="http://schemas.microsoft.com/office/drawing/2014/main" xmlns="" val="2247279278"/>
+                      <a16:colId xmlns="" xmlns:a16="http://schemas.microsoft.com/office/drawing/2014/main" val="2247279278"/>
                     </a:ext>
                   </a:extLst>
                 </a:gridCol>
                 <a:gridCol w="949239">
                   <a:extLst>
                     <a:ext uri="{9D8B030D-6E8A-4147-A177-3AD203B41FA5}">
-                      <a16:colId xmlns:a16="http://schemas.microsoft.com/office/drawing/2014/main" xmlns="" val="691657574"/>
+                      <a16:colId xmlns="" xmlns:a16="http://schemas.microsoft.com/office/drawing/2014/main" val="691657574"/>
                     </a:ext>
                   </a:extLst>
                 </a:gridCol>
                 <a:gridCol w="949239">
                   <a:extLst>
                     <a:ext uri="{9D8B030D-6E8A-4147-A177-3AD203B41FA5}">
-                      <a16:colId xmlns:a16="http://schemas.microsoft.com/office/drawing/2014/main" xmlns="" val="2517726121"/>
+                      <a16:colId xmlns="" xmlns:a16="http://schemas.microsoft.com/office/drawing/2014/main" val="2517726121"/>
                     </a:ext>
                   </a:extLst>
                 </a:gridCol>
@@ -16797,7 +16797,7 @@
                 </a:tc>
                 <a:extLst>
                   <a:ext uri="{0D108BD9-81ED-4DB2-BD59-A6C34878D82A}">
-                    <a16:rowId xmlns:a16="http://schemas.microsoft.com/office/drawing/2014/main" xmlns="" val="370146383"/>
+                    <a16:rowId xmlns="" xmlns:a16="http://schemas.microsoft.com/office/drawing/2014/main" val="370146383"/>
                   </a:ext>
                 </a:extLst>
               </a:tr>
@@ -16810,7 +16810,7 @@
           <p:cNvPr id="10" name="Table 9">
             <a:extLst>
               <a:ext uri="{FF2B5EF4-FFF2-40B4-BE49-F238E27FC236}">
-                <a16:creationId xmlns:a16="http://schemas.microsoft.com/office/drawing/2014/main" xmlns="" id="{652D86E9-5F7F-4CEB-AA0D-97380CD458AA}"/>
+                <a16:creationId xmlns="" xmlns:a16="http://schemas.microsoft.com/office/drawing/2014/main" id="{652D86E9-5F7F-4CEB-AA0D-97380CD458AA}"/>
               </a:ext>
             </a:extLst>
           </p:cNvPr>
@@ -16839,21 +16839,21 @@
                 <a:gridCol w="1179273">
                   <a:extLst>
                     <a:ext uri="{9D8B030D-6E8A-4147-A177-3AD203B41FA5}">
-                      <a16:colId xmlns:a16="http://schemas.microsoft.com/office/drawing/2014/main" xmlns="" val="2247279278"/>
+                      <a16:colId xmlns="" xmlns:a16="http://schemas.microsoft.com/office/drawing/2014/main" val="2247279278"/>
                     </a:ext>
                   </a:extLst>
                 </a:gridCol>
                 <a:gridCol w="719205">
                   <a:extLst>
                     <a:ext uri="{9D8B030D-6E8A-4147-A177-3AD203B41FA5}">
-                      <a16:colId xmlns:a16="http://schemas.microsoft.com/office/drawing/2014/main" xmlns="" val="691657574"/>
+                      <a16:colId xmlns="" xmlns:a16="http://schemas.microsoft.com/office/drawing/2014/main" val="691657574"/>
                     </a:ext>
                   </a:extLst>
                 </a:gridCol>
                 <a:gridCol w="949239">
                   <a:extLst>
                     <a:ext uri="{9D8B030D-6E8A-4147-A177-3AD203B41FA5}">
-                      <a16:colId xmlns:a16="http://schemas.microsoft.com/office/drawing/2014/main" xmlns="" val="2517726121"/>
+                      <a16:colId xmlns="" xmlns:a16="http://schemas.microsoft.com/office/drawing/2014/main" val="2517726121"/>
                     </a:ext>
                   </a:extLst>
                 </a:gridCol>
@@ -16903,7 +16903,7 @@
                 </a:tc>
                 <a:extLst>
                   <a:ext uri="{0D108BD9-81ED-4DB2-BD59-A6C34878D82A}">
-                    <a16:rowId xmlns:a16="http://schemas.microsoft.com/office/drawing/2014/main" xmlns="" val="370146383"/>
+                    <a16:rowId xmlns="" xmlns:a16="http://schemas.microsoft.com/office/drawing/2014/main" val="370146383"/>
                   </a:ext>
                 </a:extLst>
               </a:tr>
@@ -16916,7 +16916,7 @@
           <p:cNvPr id="11" name="TextBox 10">
             <a:extLst>
               <a:ext uri="{FF2B5EF4-FFF2-40B4-BE49-F238E27FC236}">
-                <a16:creationId xmlns:a16="http://schemas.microsoft.com/office/drawing/2014/main" xmlns="" id="{A910952C-3F36-4C98-BD63-9F36719DA940}"/>
+                <a16:creationId xmlns="" xmlns:a16="http://schemas.microsoft.com/office/drawing/2014/main" id="{A910952C-3F36-4C98-BD63-9F36719DA940}"/>
               </a:ext>
             </a:extLst>
           </p:cNvPr>
@@ -16986,7 +16986,7 @@
           <p:cNvPr id="2" name="Title 1">
             <a:extLst>
               <a:ext uri="{FF2B5EF4-FFF2-40B4-BE49-F238E27FC236}">
-                <a16:creationId xmlns:a16="http://schemas.microsoft.com/office/drawing/2014/main" xmlns="" id="{320D381B-3D99-46C8-9707-78C22C2D2ED1}"/>
+                <a16:creationId xmlns="" xmlns:a16="http://schemas.microsoft.com/office/drawing/2014/main" id="{320D381B-3D99-46C8-9707-78C22C2D2ED1}"/>
               </a:ext>
             </a:extLst>
           </p:cNvPr>
@@ -17028,7 +17028,7 @@
           <p:cNvPr id="3" name="Content Placeholder 2">
             <a:extLst>
               <a:ext uri="{FF2B5EF4-FFF2-40B4-BE49-F238E27FC236}">
-                <a16:creationId xmlns:a16="http://schemas.microsoft.com/office/drawing/2014/main" xmlns="" id="{019A17D5-0F05-4B8E-B702-94AB4092493B}"/>
+                <a16:creationId xmlns="" xmlns:a16="http://schemas.microsoft.com/office/drawing/2014/main" id="{019A17D5-0F05-4B8E-B702-94AB4092493B}"/>
               </a:ext>
             </a:extLst>
           </p:cNvPr>
@@ -17313,7 +17313,7 @@
           <p:cNvPr id="2" name="Title 1">
             <a:extLst>
               <a:ext uri="{FF2B5EF4-FFF2-40B4-BE49-F238E27FC236}">
-                <a16:creationId xmlns:a16="http://schemas.microsoft.com/office/drawing/2014/main" xmlns="" id="{D0B14FC2-88BB-4EB7-9EEF-24E999FF4C50}"/>
+                <a16:creationId xmlns="" xmlns:a16="http://schemas.microsoft.com/office/drawing/2014/main" id="{D0B14FC2-88BB-4EB7-9EEF-24E999FF4C50}"/>
               </a:ext>
             </a:extLst>
           </p:cNvPr>
@@ -17355,7 +17355,7 @@
           <p:cNvPr id="11" name="Content Placeholder 10">
             <a:extLst>
               <a:ext uri="{FF2B5EF4-FFF2-40B4-BE49-F238E27FC236}">
-                <a16:creationId xmlns:a16="http://schemas.microsoft.com/office/drawing/2014/main" xmlns="" id="{9C4A65F0-0E63-4F3A-97D3-743B7CF05797}"/>
+                <a16:creationId xmlns="" xmlns:a16="http://schemas.microsoft.com/office/drawing/2014/main" id="{9C4A65F0-0E63-4F3A-97D3-743B7CF05797}"/>
               </a:ext>
             </a:extLst>
           </p:cNvPr>
@@ -17374,7 +17374,7 @@
         </p:spPr>
         <p:txBody>
           <a:bodyPr anchor="t">
-            <a:normAutofit/>
+            <a:normAutofit fontScale="62500" lnSpcReduction="20000"/>
           </a:bodyPr>
           <a:lstStyle/>
           <a:p>
@@ -17398,8 +17398,67 @@
           <a:p>
             <a:r>
               <a:rPr lang="en-US" sz="2200" dirty="0"/>
-              <a:t>Referential Integrity Constraint.</a:t>
-            </a:r>
+              <a:t>Referential Integrity Constraint</a:t>
+            </a:r>
+            <a:r>
+              <a:rPr lang="en-US" sz="2200" dirty="0" smtClean="0"/>
+              <a:t>.</a:t>
+            </a:r>
+          </a:p>
+          <a:p>
+            <a:pPr marL="0" indent="0">
+              <a:buNone/>
+            </a:pPr>
+            <a:r>
+              <a:rPr lang="en-US" sz="2200" dirty="0" smtClean="0"/>
+              <a:t>1.M(domain constraint) ‘m’</a:t>
+            </a:r>
+          </a:p>
+          <a:p>
+            <a:pPr marL="0" indent="0">
+              <a:buNone/>
+            </a:pPr>
+            <a:r>
+              <a:rPr lang="en-US" sz="2200" dirty="0" smtClean="0"/>
+              <a:t>2. Referential integrity constraint</a:t>
+            </a:r>
+          </a:p>
+          <a:p>
+            <a:pPr marL="0" indent="0">
+              <a:buNone/>
+            </a:pPr>
+            <a:r>
+              <a:rPr lang="en-US" sz="2200" dirty="0" smtClean="0"/>
+              <a:t>3.Key constraint(duplication of primary key)</a:t>
+            </a:r>
+          </a:p>
+          <a:p>
+            <a:pPr marL="0" indent="0">
+              <a:buNone/>
+            </a:pPr>
+            <a:r>
+              <a:rPr lang="en-US" sz="2200" dirty="0" smtClean="0"/>
+              <a:t>4. Referential integrity constraint + entity integrity constraint</a:t>
+            </a:r>
+          </a:p>
+          <a:p>
+            <a:pPr marL="0" indent="0">
+              <a:buNone/>
+            </a:pPr>
+            <a:r>
+              <a:rPr lang="en-US" sz="2200" dirty="0" smtClean="0"/>
+              <a:t>5. Okay</a:t>
+            </a:r>
+          </a:p>
+          <a:p>
+            <a:pPr marL="0" indent="0">
+              <a:buNone/>
+            </a:pPr>
+            <a:r>
+              <a:rPr lang="en-US" sz="2200" dirty="0" smtClean="0"/>
+              <a:t>f.</a:t>
+            </a:r>
+            <a:endParaRPr lang="en-US" sz="2200" dirty="0"/>
           </a:p>
         </p:txBody>
       </p:sp>
@@ -17408,7 +17467,7 @@
           <p:cNvPr id="7" name="Content Placeholder 6">
             <a:extLst>
               <a:ext uri="{FF2B5EF4-FFF2-40B4-BE49-F238E27FC236}">
-                <a16:creationId xmlns:a16="http://schemas.microsoft.com/office/drawing/2014/main" xmlns="" id="{FAD1969F-5C80-4344-A6D2-186D3F1813E6}"/>
+                <a16:creationId xmlns="" xmlns:a16="http://schemas.microsoft.com/office/drawing/2014/main" id="{FAD1969F-5C80-4344-A6D2-186D3F1813E6}"/>
               </a:ext>
             </a:extLst>
           </p:cNvPr>
@@ -17425,7 +17484,7 @@
         </p:blipFill>
         <p:spPr>
           <a:xfrm>
-            <a:off x="3898373" y="246477"/>
+            <a:off x="3898373" y="213526"/>
             <a:ext cx="8293627" cy="6455543"/>
           </a:xfrm>
           <a:prstGeom prst="rect">
@@ -17468,7 +17527,7 @@
           <p:cNvPr id="2" name="Title 1">
             <a:extLst>
               <a:ext uri="{FF2B5EF4-FFF2-40B4-BE49-F238E27FC236}">
-                <a16:creationId xmlns:a16="http://schemas.microsoft.com/office/drawing/2014/main" xmlns="" id="{70073053-4386-4FA4-8130-79C2DC2853F4}"/>
+                <a16:creationId xmlns="" xmlns:a16="http://schemas.microsoft.com/office/drawing/2014/main" id="{70073053-4386-4FA4-8130-79C2DC2853F4}"/>
               </a:ext>
             </a:extLst>
           </p:cNvPr>
@@ -17499,7 +17558,7 @@
           <p:cNvPr id="20484" name="Slide Number Placeholder 3">
             <a:extLst>
               <a:ext uri="{FF2B5EF4-FFF2-40B4-BE49-F238E27FC236}">
-                <a16:creationId xmlns:a16="http://schemas.microsoft.com/office/drawing/2014/main" xmlns="" id="{DAC4C174-4FF6-4AEB-B0FA-675C6A0D2733}"/>
+                <a16:creationId xmlns="" xmlns:a16="http://schemas.microsoft.com/office/drawing/2014/main" id="{DAC4C174-4FF6-4AEB-B0FA-675C6A0D2733}"/>
               </a:ext>
             </a:extLst>
           </p:cNvPr>
@@ -17667,7 +17726,7 @@
           <p:cNvPr id="20485" name="Picture 4">
             <a:extLst>
               <a:ext uri="{FF2B5EF4-FFF2-40B4-BE49-F238E27FC236}">
-                <a16:creationId xmlns:a16="http://schemas.microsoft.com/office/drawing/2014/main" xmlns="" id="{98647D35-EA4B-4E5A-A5AD-5778F61D6DFC}"/>
+                <a16:creationId xmlns="" xmlns:a16="http://schemas.microsoft.com/office/drawing/2014/main" id="{98647D35-EA4B-4E5A-A5AD-5778F61D6DFC}"/>
               </a:ext>
             </a:extLst>
           </p:cNvPr>
@@ -17752,7 +17811,7 @@
           <p:cNvPr id="2" name="Title 1">
             <a:extLst>
               <a:ext uri="{FF2B5EF4-FFF2-40B4-BE49-F238E27FC236}">
-                <a16:creationId xmlns:a16="http://schemas.microsoft.com/office/drawing/2014/main" xmlns="" id="{B73B53B3-D46F-46A2-B514-A77FEED253C0}"/>
+                <a16:creationId xmlns="" xmlns:a16="http://schemas.microsoft.com/office/drawing/2014/main" id="{B73B53B3-D46F-46A2-B514-A77FEED253C0}"/>
               </a:ext>
             </a:extLst>
           </p:cNvPr>
@@ -17788,7 +17847,7 @@
           <p:cNvPr id="24579" name="Content Placeholder 4">
             <a:extLst>
               <a:ext uri="{FF2B5EF4-FFF2-40B4-BE49-F238E27FC236}">
-                <a16:creationId xmlns:a16="http://schemas.microsoft.com/office/drawing/2014/main" xmlns="" id="{0ED5EDAC-4621-42B2-ADFA-FEC29E13FD58}"/>
+                <a16:creationId xmlns="" xmlns:a16="http://schemas.microsoft.com/office/drawing/2014/main" id="{0ED5EDAC-4621-42B2-ADFA-FEC29E13FD58}"/>
               </a:ext>
             </a:extLst>
           </p:cNvPr>
@@ -17824,7 +17883,7 @@
           <p:cNvPr id="24580" name="Slide Number Placeholder 3">
             <a:extLst>
               <a:ext uri="{FF2B5EF4-FFF2-40B4-BE49-F238E27FC236}">
-                <a16:creationId xmlns:a16="http://schemas.microsoft.com/office/drawing/2014/main" xmlns="" id="{A063F234-4A44-4C7A-B113-5255DF6C8DFD}"/>
+                <a16:creationId xmlns="" xmlns:a16="http://schemas.microsoft.com/office/drawing/2014/main" id="{A063F234-4A44-4C7A-B113-5255DF6C8DFD}"/>
               </a:ext>
             </a:extLst>
           </p:cNvPr>
@@ -18022,7 +18081,7 @@
           <p:cNvPr id="2" name="Title 1">
             <a:extLst>
               <a:ext uri="{FF2B5EF4-FFF2-40B4-BE49-F238E27FC236}">
-                <a16:creationId xmlns:a16="http://schemas.microsoft.com/office/drawing/2014/main" xmlns="" id="{8F1BC25C-BFEC-47E9-AC9A-C460FC1541D3}"/>
+                <a16:creationId xmlns="" xmlns:a16="http://schemas.microsoft.com/office/drawing/2014/main" id="{8F1BC25C-BFEC-47E9-AC9A-C460FC1541D3}"/>
               </a:ext>
             </a:extLst>
           </p:cNvPr>
@@ -18054,7 +18113,7 @@
           <p:cNvPr id="3" name="Content Placeholder 2">
             <a:extLst>
               <a:ext uri="{FF2B5EF4-FFF2-40B4-BE49-F238E27FC236}">
-                <a16:creationId xmlns:a16="http://schemas.microsoft.com/office/drawing/2014/main" xmlns="" id="{3FA4FE1B-E6CF-48FD-9F09-17C9BC2EC29B}"/>
+                <a16:creationId xmlns="" xmlns:a16="http://schemas.microsoft.com/office/drawing/2014/main" id="{3FA4FE1B-E6CF-48FD-9F09-17C9BC2EC29B}"/>
               </a:ext>
             </a:extLst>
           </p:cNvPr>
@@ -18127,7 +18186,7 @@
           <p:cNvPr id="4" name="Table 4">
             <a:extLst>
               <a:ext uri="{FF2B5EF4-FFF2-40B4-BE49-F238E27FC236}">
-                <a16:creationId xmlns:a16="http://schemas.microsoft.com/office/drawing/2014/main" xmlns="" id="{3F3BD767-2F49-4FDF-86A3-DFD4F6953002}"/>
+                <a16:creationId xmlns="" xmlns:a16="http://schemas.microsoft.com/office/drawing/2014/main" id="{3F3BD767-2F49-4FDF-86A3-DFD4F6953002}"/>
               </a:ext>
             </a:extLst>
           </p:cNvPr>
@@ -18156,14 +18215,14 @@
                 <a:gridCol w="2591097">
                   <a:extLst>
                     <a:ext uri="{9D8B030D-6E8A-4147-A177-3AD203B41FA5}">
-                      <a16:colId xmlns:a16="http://schemas.microsoft.com/office/drawing/2014/main" xmlns="" val="1291223084"/>
+                      <a16:colId xmlns="" xmlns:a16="http://schemas.microsoft.com/office/drawing/2014/main" val="1291223084"/>
                     </a:ext>
                   </a:extLst>
                 </a:gridCol>
                 <a:gridCol w="2591097">
                   <a:extLst>
                     <a:ext uri="{9D8B030D-6E8A-4147-A177-3AD203B41FA5}">
-                      <a16:colId xmlns:a16="http://schemas.microsoft.com/office/drawing/2014/main" xmlns="" val="2551685496"/>
+                      <a16:colId xmlns="" xmlns:a16="http://schemas.microsoft.com/office/drawing/2014/main" val="2551685496"/>
                     </a:ext>
                   </a:extLst>
                 </a:gridCol>
@@ -18197,7 +18256,7 @@
                 </a:tc>
                 <a:extLst>
                   <a:ext uri="{0D108BD9-81ED-4DB2-BD59-A6C34878D82A}">
-                    <a16:rowId xmlns:a16="http://schemas.microsoft.com/office/drawing/2014/main" xmlns="" val="3009316933"/>
+                    <a16:rowId xmlns="" xmlns:a16="http://schemas.microsoft.com/office/drawing/2014/main" val="3009316933"/>
                   </a:ext>
                 </a:extLst>
               </a:tr>
@@ -18232,7 +18291,7 @@
                 </a:tc>
                 <a:extLst>
                   <a:ext uri="{0D108BD9-81ED-4DB2-BD59-A6C34878D82A}">
-                    <a16:rowId xmlns:a16="http://schemas.microsoft.com/office/drawing/2014/main" xmlns="" val="3722244864"/>
+                    <a16:rowId xmlns="" xmlns:a16="http://schemas.microsoft.com/office/drawing/2014/main" val="3722244864"/>
                   </a:ext>
                 </a:extLst>
               </a:tr>
@@ -18293,7 +18352,7 @@
                 </a:tc>
                 <a:extLst>
                   <a:ext uri="{0D108BD9-81ED-4DB2-BD59-A6C34878D82A}">
-                    <a16:rowId xmlns:a16="http://schemas.microsoft.com/office/drawing/2014/main" xmlns="" val="2458563004"/>
+                    <a16:rowId xmlns="" xmlns:a16="http://schemas.microsoft.com/office/drawing/2014/main" val="2458563004"/>
                   </a:ext>
                 </a:extLst>
               </a:tr>
@@ -18331,7 +18390,7 @@
                 </a:tc>
                 <a:extLst>
                   <a:ext uri="{0D108BD9-81ED-4DB2-BD59-A6C34878D82A}">
-                    <a16:rowId xmlns:a16="http://schemas.microsoft.com/office/drawing/2014/main" xmlns="" val="2132651457"/>
+                    <a16:rowId xmlns="" xmlns:a16="http://schemas.microsoft.com/office/drawing/2014/main" val="2132651457"/>
                   </a:ext>
                 </a:extLst>
               </a:tr>
@@ -18364,7 +18423,7 @@
                 </a:tc>
                 <a:extLst>
                   <a:ext uri="{0D108BD9-81ED-4DB2-BD59-A6C34878D82A}">
-                    <a16:rowId xmlns:a16="http://schemas.microsoft.com/office/drawing/2014/main" xmlns="" val="2805834452"/>
+                    <a16:rowId xmlns="" xmlns:a16="http://schemas.microsoft.com/office/drawing/2014/main" val="2805834452"/>
                   </a:ext>
                 </a:extLst>
               </a:tr>
@@ -18397,7 +18456,7 @@
                 </a:tc>
                 <a:extLst>
                   <a:ext uri="{0D108BD9-81ED-4DB2-BD59-A6C34878D82A}">
-                    <a16:rowId xmlns:a16="http://schemas.microsoft.com/office/drawing/2014/main" xmlns="" val="3570016769"/>
+                    <a16:rowId xmlns="" xmlns:a16="http://schemas.microsoft.com/office/drawing/2014/main" val="3570016769"/>
                   </a:ext>
                 </a:extLst>
               </a:tr>
@@ -18430,7 +18489,7 @@
                 </a:tc>
                 <a:extLst>
                   <a:ext uri="{0D108BD9-81ED-4DB2-BD59-A6C34878D82A}">
-                    <a16:rowId xmlns:a16="http://schemas.microsoft.com/office/drawing/2014/main" xmlns="" val="588756227"/>
+                    <a16:rowId xmlns="" xmlns:a16="http://schemas.microsoft.com/office/drawing/2014/main" val="588756227"/>
                   </a:ext>
                 </a:extLst>
               </a:tr>
@@ -18503,7 +18562,7 @@
           <p:cNvPr id="2" name="Title 1">
             <a:extLst>
               <a:ext uri="{FF2B5EF4-FFF2-40B4-BE49-F238E27FC236}">
-                <a16:creationId xmlns:a16="http://schemas.microsoft.com/office/drawing/2014/main" xmlns="" id="{D3E0E065-B6B3-4D61-959B-E0F9CE757D4A}"/>
+                <a16:creationId xmlns="" xmlns:a16="http://schemas.microsoft.com/office/drawing/2014/main" id="{D3E0E065-B6B3-4D61-959B-E0F9CE757D4A}"/>
               </a:ext>
             </a:extLst>
           </p:cNvPr>
@@ -18535,7 +18594,7 @@
           <p:cNvPr id="3" name="Content Placeholder 2">
             <a:extLst>
               <a:ext uri="{FF2B5EF4-FFF2-40B4-BE49-F238E27FC236}">
-                <a16:creationId xmlns:a16="http://schemas.microsoft.com/office/drawing/2014/main" xmlns="" id="{A95336D2-6DA9-4A85-80FF-C05B450A79B5}"/>
+                <a16:creationId xmlns="" xmlns:a16="http://schemas.microsoft.com/office/drawing/2014/main" id="{A95336D2-6DA9-4A85-80FF-C05B450A79B5}"/>
               </a:ext>
             </a:extLst>
           </p:cNvPr>
@@ -18765,7 +18824,7 @@
           <p:cNvPr id="2" name="Title 1">
             <a:extLst>
               <a:ext uri="{FF2B5EF4-FFF2-40B4-BE49-F238E27FC236}">
-                <a16:creationId xmlns:a16="http://schemas.microsoft.com/office/drawing/2014/main" xmlns="" id="{CBCF28F2-2227-4831-B10D-0E48F7BF3A50}"/>
+                <a16:creationId xmlns="" xmlns:a16="http://schemas.microsoft.com/office/drawing/2014/main" id="{CBCF28F2-2227-4831-B10D-0E48F7BF3A50}"/>
               </a:ext>
             </a:extLst>
           </p:cNvPr>
@@ -18808,7 +18867,7 @@
           <p:cNvPr id="4" name="Table 4">
             <a:extLst>
               <a:ext uri="{FF2B5EF4-FFF2-40B4-BE49-F238E27FC236}">
-                <a16:creationId xmlns:a16="http://schemas.microsoft.com/office/drawing/2014/main" xmlns="" id="{704B46D0-1FD4-434F-A1F0-FCD62EC951FE}"/>
+                <a16:creationId xmlns="" xmlns:a16="http://schemas.microsoft.com/office/drawing/2014/main" id="{704B46D0-1FD4-434F-A1F0-FCD62EC951FE}"/>
               </a:ext>
             </a:extLst>
           </p:cNvPr>
@@ -18838,21 +18897,21 @@
                 <a:gridCol w="562968">
                   <a:extLst>
                     <a:ext uri="{9D8B030D-6E8A-4147-A177-3AD203B41FA5}">
-                      <a16:colId xmlns:a16="http://schemas.microsoft.com/office/drawing/2014/main" xmlns="" val="2255583665"/>
+                      <a16:colId xmlns="" xmlns:a16="http://schemas.microsoft.com/office/drawing/2014/main" val="2255583665"/>
                     </a:ext>
                   </a:extLst>
                 </a:gridCol>
                 <a:gridCol w="1108880">
                   <a:extLst>
                     <a:ext uri="{9D8B030D-6E8A-4147-A177-3AD203B41FA5}">
-                      <a16:colId xmlns:a16="http://schemas.microsoft.com/office/drawing/2014/main" xmlns="" val="2211105629"/>
+                      <a16:colId xmlns="" xmlns:a16="http://schemas.microsoft.com/office/drawing/2014/main" val="2211105629"/>
                     </a:ext>
                   </a:extLst>
                 </a:gridCol>
                 <a:gridCol w="1108880">
                   <a:extLst>
                     <a:ext uri="{9D8B030D-6E8A-4147-A177-3AD203B41FA5}">
-                      <a16:colId xmlns:a16="http://schemas.microsoft.com/office/drawing/2014/main" xmlns="" val="2237768524"/>
+                      <a16:colId xmlns="" xmlns:a16="http://schemas.microsoft.com/office/drawing/2014/main" val="2237768524"/>
                     </a:ext>
                   </a:extLst>
                 </a:gridCol>
@@ -18899,7 +18958,7 @@
                 </a:tc>
                 <a:extLst>
                   <a:ext uri="{0D108BD9-81ED-4DB2-BD59-A6C34878D82A}">
-                    <a16:rowId xmlns:a16="http://schemas.microsoft.com/office/drawing/2014/main" xmlns="" val="4239532435"/>
+                    <a16:rowId xmlns="" xmlns:a16="http://schemas.microsoft.com/office/drawing/2014/main" val="4239532435"/>
                   </a:ext>
                 </a:extLst>
               </a:tr>
@@ -18912,7 +18971,7 @@
           <p:cNvPr id="6" name="Table 4">
             <a:extLst>
               <a:ext uri="{FF2B5EF4-FFF2-40B4-BE49-F238E27FC236}">
-                <a16:creationId xmlns:a16="http://schemas.microsoft.com/office/drawing/2014/main" xmlns="" id="{DFB918F5-2C65-47F8-BE23-69EB089AC20B}"/>
+                <a16:creationId xmlns="" xmlns:a16="http://schemas.microsoft.com/office/drawing/2014/main" id="{DFB918F5-2C65-47F8-BE23-69EB089AC20B}"/>
               </a:ext>
             </a:extLst>
           </p:cNvPr>
@@ -18935,21 +18994,21 @@
                 <a:gridCol w="665327">
                   <a:extLst>
                     <a:ext uri="{9D8B030D-6E8A-4147-A177-3AD203B41FA5}">
-                      <a16:colId xmlns:a16="http://schemas.microsoft.com/office/drawing/2014/main" xmlns="" val="2255583665"/>
+                      <a16:colId xmlns="" xmlns:a16="http://schemas.microsoft.com/office/drawing/2014/main" val="2255583665"/>
                     </a:ext>
                   </a:extLst>
                 </a:gridCol>
                 <a:gridCol w="1177118">
                   <a:extLst>
                     <a:ext uri="{9D8B030D-6E8A-4147-A177-3AD203B41FA5}">
-                      <a16:colId xmlns:a16="http://schemas.microsoft.com/office/drawing/2014/main" xmlns="" val="2211105629"/>
+                      <a16:colId xmlns="" xmlns:a16="http://schemas.microsoft.com/office/drawing/2014/main" val="2211105629"/>
                     </a:ext>
                   </a:extLst>
                 </a:gridCol>
                 <a:gridCol w="1245358">
                   <a:extLst>
                     <a:ext uri="{9D8B030D-6E8A-4147-A177-3AD203B41FA5}">
-                      <a16:colId xmlns:a16="http://schemas.microsoft.com/office/drawing/2014/main" xmlns="" val="2237768524"/>
+                      <a16:colId xmlns="" xmlns:a16="http://schemas.microsoft.com/office/drawing/2014/main" val="2237768524"/>
                     </a:ext>
                   </a:extLst>
                 </a:gridCol>
@@ -18996,7 +19055,7 @@
                 </a:tc>
                 <a:extLst>
                   <a:ext uri="{0D108BD9-81ED-4DB2-BD59-A6C34878D82A}">
-                    <a16:rowId xmlns:a16="http://schemas.microsoft.com/office/drawing/2014/main" xmlns="" val="4239532435"/>
+                    <a16:rowId xmlns="" xmlns:a16="http://schemas.microsoft.com/office/drawing/2014/main" val="4239532435"/>
                   </a:ext>
                 </a:extLst>
               </a:tr>
@@ -19009,7 +19068,7 @@
           <p:cNvPr id="8" name="Table 4">
             <a:extLst>
               <a:ext uri="{FF2B5EF4-FFF2-40B4-BE49-F238E27FC236}">
-                <a16:creationId xmlns:a16="http://schemas.microsoft.com/office/drawing/2014/main" xmlns="" id="{8E438B4B-6DAC-41EB-85EA-3ADE74A5482B}"/>
+                <a16:creationId xmlns="" xmlns:a16="http://schemas.microsoft.com/office/drawing/2014/main" id="{8E438B4B-6DAC-41EB-85EA-3ADE74A5482B}"/>
               </a:ext>
             </a:extLst>
           </p:cNvPr>
@@ -19032,28 +19091,28 @@
                 <a:gridCol w="699446">
                   <a:extLst>
                     <a:ext uri="{9D8B030D-6E8A-4147-A177-3AD203B41FA5}">
-                      <a16:colId xmlns:a16="http://schemas.microsoft.com/office/drawing/2014/main" xmlns="" val="2255583665"/>
+                      <a16:colId xmlns="" xmlns:a16="http://schemas.microsoft.com/office/drawing/2014/main" val="2255583665"/>
                     </a:ext>
                   </a:extLst>
                 </a:gridCol>
                 <a:gridCol w="733567">
                   <a:extLst>
                     <a:ext uri="{9D8B030D-6E8A-4147-A177-3AD203B41FA5}">
-                      <a16:colId xmlns:a16="http://schemas.microsoft.com/office/drawing/2014/main" xmlns="" val="2211105629"/>
+                      <a16:colId xmlns="" xmlns:a16="http://schemas.microsoft.com/office/drawing/2014/main" val="2211105629"/>
                     </a:ext>
                   </a:extLst>
                 </a:gridCol>
                 <a:gridCol w="699446">
                   <a:extLst>
                     <a:ext uri="{9D8B030D-6E8A-4147-A177-3AD203B41FA5}">
-                      <a16:colId xmlns:a16="http://schemas.microsoft.com/office/drawing/2014/main" xmlns="" val="2237768524"/>
+                      <a16:colId xmlns="" xmlns:a16="http://schemas.microsoft.com/office/drawing/2014/main" val="2237768524"/>
                     </a:ext>
                   </a:extLst>
                 </a:gridCol>
                 <a:gridCol w="1023582">
                   <a:extLst>
                     <a:ext uri="{9D8B030D-6E8A-4147-A177-3AD203B41FA5}">
-                      <a16:colId xmlns:a16="http://schemas.microsoft.com/office/drawing/2014/main" xmlns="" val="3240690721"/>
+                      <a16:colId xmlns="" xmlns:a16="http://schemas.microsoft.com/office/drawing/2014/main" val="3240690721"/>
                     </a:ext>
                   </a:extLst>
                 </a:gridCol>
@@ -19113,7 +19172,7 @@
                 </a:tc>
                 <a:extLst>
                   <a:ext uri="{0D108BD9-81ED-4DB2-BD59-A6C34878D82A}">
-                    <a16:rowId xmlns:a16="http://schemas.microsoft.com/office/drawing/2014/main" xmlns="" val="4239532435"/>
+                    <a16:rowId xmlns="" xmlns:a16="http://schemas.microsoft.com/office/drawing/2014/main" val="4239532435"/>
                   </a:ext>
                 </a:extLst>
               </a:tr>
@@ -19126,7 +19185,7 @@
           <p:cNvPr id="10" name="Table 4">
             <a:extLst>
               <a:ext uri="{FF2B5EF4-FFF2-40B4-BE49-F238E27FC236}">
-                <a16:creationId xmlns:a16="http://schemas.microsoft.com/office/drawing/2014/main" xmlns="" id="{84CB91D8-EEE0-4980-9F8E-6A518035AC8D}"/>
+                <a16:creationId xmlns="" xmlns:a16="http://schemas.microsoft.com/office/drawing/2014/main" id="{84CB91D8-EEE0-4980-9F8E-6A518035AC8D}"/>
               </a:ext>
             </a:extLst>
           </p:cNvPr>
@@ -19155,21 +19214,21 @@
                 <a:gridCol w="471214">
                   <a:extLst>
                     <a:ext uri="{9D8B030D-6E8A-4147-A177-3AD203B41FA5}">
-                      <a16:colId xmlns:a16="http://schemas.microsoft.com/office/drawing/2014/main" xmlns="" val="2255583665"/>
+                      <a16:colId xmlns="" xmlns:a16="http://schemas.microsoft.com/office/drawing/2014/main" val="2255583665"/>
                     </a:ext>
                   </a:extLst>
                 </a:gridCol>
                 <a:gridCol w="891943">
                   <a:extLst>
                     <a:ext uri="{9D8B030D-6E8A-4147-A177-3AD203B41FA5}">
-                      <a16:colId xmlns:a16="http://schemas.microsoft.com/office/drawing/2014/main" xmlns="" val="2211105629"/>
+                      <a16:colId xmlns="" xmlns:a16="http://schemas.microsoft.com/office/drawing/2014/main" val="2211105629"/>
                     </a:ext>
                   </a:extLst>
                 </a:gridCol>
                 <a:gridCol w="1009746">
                   <a:extLst>
                     <a:ext uri="{9D8B030D-6E8A-4147-A177-3AD203B41FA5}">
-                      <a16:colId xmlns:a16="http://schemas.microsoft.com/office/drawing/2014/main" xmlns="" val="2237768524"/>
+                      <a16:colId xmlns="" xmlns:a16="http://schemas.microsoft.com/office/drawing/2014/main" val="2237768524"/>
                     </a:ext>
                   </a:extLst>
                 </a:gridCol>
@@ -19216,7 +19275,7 @@
                 </a:tc>
                 <a:extLst>
                   <a:ext uri="{0D108BD9-81ED-4DB2-BD59-A6C34878D82A}">
-                    <a16:rowId xmlns:a16="http://schemas.microsoft.com/office/drawing/2014/main" xmlns="" val="4239532435"/>
+                    <a16:rowId xmlns="" xmlns:a16="http://schemas.microsoft.com/office/drawing/2014/main" val="4239532435"/>
                   </a:ext>
                 </a:extLst>
               </a:tr>
@@ -19229,7 +19288,7 @@
           <p:cNvPr id="11" name="TextBox 10">
             <a:extLst>
               <a:ext uri="{FF2B5EF4-FFF2-40B4-BE49-F238E27FC236}">
-                <a16:creationId xmlns:a16="http://schemas.microsoft.com/office/drawing/2014/main" xmlns="" id="{D2DE7EE4-800F-413E-96AA-DCF08AE4ED4F}"/>
+                <a16:creationId xmlns="" xmlns:a16="http://schemas.microsoft.com/office/drawing/2014/main" id="{D2DE7EE4-800F-413E-96AA-DCF08AE4ED4F}"/>
               </a:ext>
             </a:extLst>
           </p:cNvPr>
@@ -19268,7 +19327,7 @@
           <p:cNvPr id="12" name="TextBox 11">
             <a:extLst>
               <a:ext uri="{FF2B5EF4-FFF2-40B4-BE49-F238E27FC236}">
-                <a16:creationId xmlns:a16="http://schemas.microsoft.com/office/drawing/2014/main" xmlns="" id="{8A19EC7F-CA9D-4C10-9F34-F0193F3400C6}"/>
+                <a16:creationId xmlns="" xmlns:a16="http://schemas.microsoft.com/office/drawing/2014/main" id="{8A19EC7F-CA9D-4C10-9F34-F0193F3400C6}"/>
               </a:ext>
             </a:extLst>
           </p:cNvPr>
@@ -19306,7 +19365,7 @@
           <p:cNvPr id="13" name="TextBox 12">
             <a:extLst>
               <a:ext uri="{FF2B5EF4-FFF2-40B4-BE49-F238E27FC236}">
-                <a16:creationId xmlns:a16="http://schemas.microsoft.com/office/drawing/2014/main" xmlns="" id="{1A121057-D27B-4F4A-8E9F-558C1BA7D723}"/>
+                <a16:creationId xmlns="" xmlns:a16="http://schemas.microsoft.com/office/drawing/2014/main" id="{1A121057-D27B-4F4A-8E9F-558C1BA7D723}"/>
               </a:ext>
             </a:extLst>
           </p:cNvPr>
@@ -19345,7 +19404,7 @@
           <p:cNvPr id="14" name="TextBox 13">
             <a:extLst>
               <a:ext uri="{FF2B5EF4-FFF2-40B4-BE49-F238E27FC236}">
-                <a16:creationId xmlns:a16="http://schemas.microsoft.com/office/drawing/2014/main" xmlns="" id="{B9563A76-5378-4911-AAB7-7461716AD941}"/>
+                <a16:creationId xmlns="" xmlns:a16="http://schemas.microsoft.com/office/drawing/2014/main" id="{B9563A76-5378-4911-AAB7-7461716AD941}"/>
               </a:ext>
             </a:extLst>
           </p:cNvPr>
@@ -19384,7 +19443,7 @@
           <p:cNvPr id="16" name="Straight Arrow Connector 15">
             <a:extLst>
               <a:ext uri="{FF2B5EF4-FFF2-40B4-BE49-F238E27FC236}">
-                <a16:creationId xmlns:a16="http://schemas.microsoft.com/office/drawing/2014/main" xmlns="" id="{62040390-B2A4-4E96-91CA-3761445507A4}"/>
+                <a16:creationId xmlns="" xmlns:a16="http://schemas.microsoft.com/office/drawing/2014/main" id="{62040390-B2A4-4E96-91CA-3761445507A4}"/>
               </a:ext>
             </a:extLst>
           </p:cNvPr>
@@ -19423,7 +19482,7 @@
           <p:cNvPr id="17" name="Straight Arrow Connector 16">
             <a:extLst>
               <a:ext uri="{FF2B5EF4-FFF2-40B4-BE49-F238E27FC236}">
-                <a16:creationId xmlns:a16="http://schemas.microsoft.com/office/drawing/2014/main" xmlns="" id="{7403CF25-AA7E-4498-99A0-7113A4370B0C}"/>
+                <a16:creationId xmlns="" xmlns:a16="http://schemas.microsoft.com/office/drawing/2014/main" id="{7403CF25-AA7E-4498-99A0-7113A4370B0C}"/>
               </a:ext>
             </a:extLst>
           </p:cNvPr>
@@ -19464,7 +19523,7 @@
           <p:cNvPr id="19" name="Straight Arrow Connector 18">
             <a:extLst>
               <a:ext uri="{FF2B5EF4-FFF2-40B4-BE49-F238E27FC236}">
-                <a16:creationId xmlns:a16="http://schemas.microsoft.com/office/drawing/2014/main" xmlns="" id="{A69EFA0D-8B87-4384-BE17-2B9BFFABFE58}"/>
+                <a16:creationId xmlns="" xmlns:a16="http://schemas.microsoft.com/office/drawing/2014/main" id="{A69EFA0D-8B87-4384-BE17-2B9BFFABFE58}"/>
               </a:ext>
             </a:extLst>
           </p:cNvPr>
@@ -19505,7 +19564,7 @@
           <p:cNvPr id="20" name="TextBox 19">
             <a:extLst>
               <a:ext uri="{FF2B5EF4-FFF2-40B4-BE49-F238E27FC236}">
-                <a16:creationId xmlns:a16="http://schemas.microsoft.com/office/drawing/2014/main" xmlns="" id="{E5F39E0C-3EAE-4A38-A43F-5F750666CCD1}"/>
+                <a16:creationId xmlns="" xmlns:a16="http://schemas.microsoft.com/office/drawing/2014/main" id="{E5F39E0C-3EAE-4A38-A43F-5F750666CCD1}"/>
               </a:ext>
             </a:extLst>
           </p:cNvPr>
@@ -19775,7 +19834,7 @@
           <p:cNvPr id="2" name="Title 1">
             <a:extLst>
               <a:ext uri="{FF2B5EF4-FFF2-40B4-BE49-F238E27FC236}">
-                <a16:creationId xmlns:a16="http://schemas.microsoft.com/office/drawing/2014/main" xmlns="" id="{D3E0E065-B6B3-4D61-959B-E0F9CE757D4A}"/>
+                <a16:creationId xmlns="" xmlns:a16="http://schemas.microsoft.com/office/drawing/2014/main" id="{D3E0E065-B6B3-4D61-959B-E0F9CE757D4A}"/>
               </a:ext>
             </a:extLst>
           </p:cNvPr>
@@ -19806,7 +19865,7 @@
           <p:cNvPr id="3" name="Content Placeholder 2">
             <a:extLst>
               <a:ext uri="{FF2B5EF4-FFF2-40B4-BE49-F238E27FC236}">
-                <a16:creationId xmlns:a16="http://schemas.microsoft.com/office/drawing/2014/main" xmlns="" id="{A95336D2-6DA9-4A85-80FF-C05B450A79B5}"/>
+                <a16:creationId xmlns="" xmlns:a16="http://schemas.microsoft.com/office/drawing/2014/main" id="{A95336D2-6DA9-4A85-80FF-C05B450A79B5}"/>
               </a:ext>
             </a:extLst>
           </p:cNvPr>
